--- a/part-1/Redux+Patterns.pptx
+++ b/part-1/Redux+Patterns.pptx
@@ -6,12 +6,19 @@
   </p:sldMasterIdLst>
   <p:sldIdLst>
     <p:sldId id="256" r:id="rId2"/>
-    <p:sldId id="258" r:id="rId3"/>
-    <p:sldId id="260" r:id="rId4"/>
-    <p:sldId id="261" r:id="rId5"/>
-    <p:sldId id="257" r:id="rId6"/>
-    <p:sldId id="259" r:id="rId7"/>
-    <p:sldId id="262" r:id="rId8"/>
+    <p:sldId id="263" r:id="rId3"/>
+    <p:sldId id="264" r:id="rId4"/>
+    <p:sldId id="266" r:id="rId5"/>
+    <p:sldId id="267" r:id="rId6"/>
+    <p:sldId id="261" r:id="rId7"/>
+    <p:sldId id="271" r:id="rId8"/>
+    <p:sldId id="269" r:id="rId9"/>
+    <p:sldId id="272" r:id="rId10"/>
+    <p:sldId id="274" r:id="rId11"/>
+    <p:sldId id="273" r:id="rId12"/>
+    <p:sldId id="257" r:id="rId13"/>
+    <p:sldId id="259" r:id="rId14"/>
+    <p:sldId id="262" r:id="rId15"/>
   </p:sldIdLst>
   <p:sldSz cx="12192000" cy="6858000"/>
   <p:notesSz cx="6858000" cy="9144000"/>
@@ -168,7 +175,7 @@
           <a:noFill/>
           <a:extLst>
             <a:ext uri="{909E8E84-426E-40dd-AFC4-6F175D3DCCD1}">
-              <a14:hiddenFill xmlns="" xmlns:a14="http://schemas.microsoft.com/office/drawing/2010/main">
+              <a14:hiddenFill xmlns:a14="http://schemas.microsoft.com/office/drawing/2010/main" xmlns="">
                 <a:solidFill>
                   <a:srgbClr val="FFFFFF"/>
                 </a:solidFill>
@@ -228,7 +235,7 @@
             </a:ln>
             <a:extLst>
               <a:ext uri="{91240B29-F687-4f45-9708-019B960494DF}">
-                <a14:hiddenLine xmlns="" xmlns:a14="http://schemas.microsoft.com/office/drawing/2010/main" w="9525">
+                <a14:hiddenLine xmlns:a14="http://schemas.microsoft.com/office/drawing/2010/main" xmlns="" w="9525">
                   <a:solidFill>
                     <a:srgbClr val="000000"/>
                   </a:solidFill>
@@ -318,7 +325,7 @@
             </a:ln>
             <a:extLst>
               <a:ext uri="{91240B29-F687-4f45-9708-019B960494DF}">
-                <a14:hiddenLine xmlns="" xmlns:a14="http://schemas.microsoft.com/office/drawing/2010/main" w="9525">
+                <a14:hiddenLine xmlns:a14="http://schemas.microsoft.com/office/drawing/2010/main" xmlns="" w="9525">
                   <a:solidFill>
                     <a:srgbClr val="000000"/>
                   </a:solidFill>
@@ -408,7 +415,7 @@
             </a:ln>
             <a:extLst>
               <a:ext uri="{91240B29-F687-4f45-9708-019B960494DF}">
-                <a14:hiddenLine xmlns="" xmlns:a14="http://schemas.microsoft.com/office/drawing/2010/main" w="9525">
+                <a14:hiddenLine xmlns:a14="http://schemas.microsoft.com/office/drawing/2010/main" xmlns="" w="9525">
                   <a:solidFill>
                     <a:srgbClr val="000000"/>
                   </a:solidFill>
@@ -442,7 +449,7 @@
             </a:ln>
             <a:extLst>
               <a:ext uri="{91240B29-F687-4f45-9708-019B960494DF}">
-                <a14:hiddenLine xmlns="" xmlns:a14="http://schemas.microsoft.com/office/drawing/2010/main" w="9525">
+                <a14:hiddenLine xmlns:a14="http://schemas.microsoft.com/office/drawing/2010/main" xmlns="" w="9525">
                   <a:solidFill>
                     <a:srgbClr val="000000"/>
                   </a:solidFill>
@@ -532,7 +539,7 @@
             </a:ln>
             <a:extLst>
               <a:ext uri="{91240B29-F687-4f45-9708-019B960494DF}">
-                <a14:hiddenLine xmlns="" xmlns:a14="http://schemas.microsoft.com/office/drawing/2010/main" w="9525">
+                <a14:hiddenLine xmlns:a14="http://schemas.microsoft.com/office/drawing/2010/main" xmlns="" w="9525">
                   <a:solidFill>
                     <a:srgbClr val="000000"/>
                   </a:solidFill>
@@ -594,7 +601,7 @@
             </a:ln>
             <a:extLst>
               <a:ext uri="{91240B29-F687-4f45-9708-019B960494DF}">
-                <a14:hiddenLine xmlns="" xmlns:a14="http://schemas.microsoft.com/office/drawing/2010/main" w="9525">
+                <a14:hiddenLine xmlns:a14="http://schemas.microsoft.com/office/drawing/2010/main" xmlns="" w="9525">
                   <a:solidFill>
                     <a:srgbClr val="000000"/>
                   </a:solidFill>
@@ -656,7 +663,7 @@
             </a:ln>
             <a:extLst>
               <a:ext uri="{91240B29-F687-4f45-9708-019B960494DF}">
-                <a14:hiddenLine xmlns="" xmlns:a14="http://schemas.microsoft.com/office/drawing/2010/main" w="9525">
+                <a14:hiddenLine xmlns:a14="http://schemas.microsoft.com/office/drawing/2010/main" xmlns="" w="9525">
                   <a:solidFill>
                     <a:srgbClr val="000000"/>
                   </a:solidFill>
@@ -746,7 +753,7 @@
             </a:ln>
             <a:extLst>
               <a:ext uri="{91240B29-F687-4f45-9708-019B960494DF}">
-                <a14:hiddenLine xmlns="" xmlns:a14="http://schemas.microsoft.com/office/drawing/2010/main" w="9525">
+                <a14:hiddenLine xmlns:a14="http://schemas.microsoft.com/office/drawing/2010/main" xmlns="" w="9525">
                   <a:solidFill>
                     <a:srgbClr val="000000"/>
                   </a:solidFill>
@@ -808,7 +815,7 @@
             </a:ln>
             <a:extLst>
               <a:ext uri="{91240B29-F687-4f45-9708-019B960494DF}">
-                <a14:hiddenLine xmlns="" xmlns:a14="http://schemas.microsoft.com/office/drawing/2010/main" w="9525">
+                <a14:hiddenLine xmlns:a14="http://schemas.microsoft.com/office/drawing/2010/main" xmlns="" w="9525">
                   <a:solidFill>
                     <a:srgbClr val="000000"/>
                   </a:solidFill>
@@ -870,7 +877,7 @@
             </a:ln>
             <a:extLst>
               <a:ext uri="{91240B29-F687-4f45-9708-019B960494DF}">
-                <a14:hiddenLine xmlns="" xmlns:a14="http://schemas.microsoft.com/office/drawing/2010/main" w="9525">
+                <a14:hiddenLine xmlns:a14="http://schemas.microsoft.com/office/drawing/2010/main" xmlns="" w="9525">
                   <a:solidFill>
                     <a:srgbClr val="000000"/>
                   </a:solidFill>
@@ -960,7 +967,7 @@
             </a:ln>
             <a:extLst>
               <a:ext uri="{91240B29-F687-4f45-9708-019B960494DF}">
-                <a14:hiddenLine xmlns="" xmlns:a14="http://schemas.microsoft.com/office/drawing/2010/main" w="9525">
+                <a14:hiddenLine xmlns:a14="http://schemas.microsoft.com/office/drawing/2010/main" xmlns="" w="9525">
                   <a:solidFill>
                     <a:srgbClr val="000000"/>
                   </a:solidFill>
@@ -1050,7 +1057,7 @@
             </a:ln>
             <a:extLst>
               <a:ext uri="{91240B29-F687-4f45-9708-019B960494DF}">
-                <a14:hiddenLine xmlns="" xmlns:a14="http://schemas.microsoft.com/office/drawing/2010/main" w="9525">
+                <a14:hiddenLine xmlns:a14="http://schemas.microsoft.com/office/drawing/2010/main" xmlns="" w="9525">
                   <a:solidFill>
                     <a:srgbClr val="000000"/>
                   </a:solidFill>
@@ -1112,7 +1119,7 @@
             </a:ln>
             <a:extLst>
               <a:ext uri="{91240B29-F687-4f45-9708-019B960494DF}">
-                <a14:hiddenLine xmlns="" xmlns:a14="http://schemas.microsoft.com/office/drawing/2010/main" w="9525">
+                <a14:hiddenLine xmlns:a14="http://schemas.microsoft.com/office/drawing/2010/main" xmlns="" w="9525">
                   <a:solidFill>
                     <a:srgbClr val="000000"/>
                   </a:solidFill>
@@ -1222,7 +1229,7 @@
             </a:ln>
             <a:extLst>
               <a:ext uri="{91240B29-F687-4f45-9708-019B960494DF}">
-                <a14:hiddenLine xmlns="" xmlns:a14="http://schemas.microsoft.com/office/drawing/2010/main" w="9525">
+                <a14:hiddenLine xmlns:a14="http://schemas.microsoft.com/office/drawing/2010/main" xmlns="" w="9525">
                   <a:solidFill>
                     <a:srgbClr val="000000"/>
                   </a:solidFill>
@@ -1284,7 +1291,7 @@
             </a:ln>
             <a:extLst>
               <a:ext uri="{91240B29-F687-4f45-9708-019B960494DF}">
-                <a14:hiddenLine xmlns="" xmlns:a14="http://schemas.microsoft.com/office/drawing/2010/main" w="9525">
+                <a14:hiddenLine xmlns:a14="http://schemas.microsoft.com/office/drawing/2010/main" xmlns="" w="9525">
                   <a:solidFill>
                     <a:srgbClr val="000000"/>
                   </a:solidFill>
@@ -1374,7 +1381,7 @@
             </a:ln>
             <a:extLst>
               <a:ext uri="{91240B29-F687-4f45-9708-019B960494DF}">
-                <a14:hiddenLine xmlns="" xmlns:a14="http://schemas.microsoft.com/office/drawing/2010/main" w="9525">
+                <a14:hiddenLine xmlns:a14="http://schemas.microsoft.com/office/drawing/2010/main" xmlns="" w="9525">
                   <a:solidFill>
                     <a:srgbClr val="000000"/>
                   </a:solidFill>
@@ -1464,7 +1471,7 @@
             </a:ln>
             <a:extLst>
               <a:ext uri="{91240B29-F687-4f45-9708-019B960494DF}">
-                <a14:hiddenLine xmlns="" xmlns:a14="http://schemas.microsoft.com/office/drawing/2010/main" w="9525">
+                <a14:hiddenLine xmlns:a14="http://schemas.microsoft.com/office/drawing/2010/main" xmlns="" w="9525">
                   <a:solidFill>
                     <a:srgbClr val="000000"/>
                   </a:solidFill>
@@ -1526,7 +1533,7 @@
             </a:ln>
             <a:extLst>
               <a:ext uri="{91240B29-F687-4f45-9708-019B960494DF}">
-                <a14:hiddenLine xmlns="" xmlns:a14="http://schemas.microsoft.com/office/drawing/2010/main" w="9525">
+                <a14:hiddenLine xmlns:a14="http://schemas.microsoft.com/office/drawing/2010/main" xmlns="" w="9525">
                   <a:solidFill>
                     <a:srgbClr val="000000"/>
                   </a:solidFill>
@@ -1616,7 +1623,7 @@
             </a:ln>
             <a:extLst>
               <a:ext uri="{91240B29-F687-4f45-9708-019B960494DF}">
-                <a14:hiddenLine xmlns="" xmlns:a14="http://schemas.microsoft.com/office/drawing/2010/main" w="9525">
+                <a14:hiddenLine xmlns:a14="http://schemas.microsoft.com/office/drawing/2010/main" xmlns="" w="9525">
                   <a:solidFill>
                     <a:srgbClr val="000000"/>
                   </a:solidFill>
@@ -1706,7 +1713,7 @@
             </a:ln>
             <a:extLst>
               <a:ext uri="{91240B29-F687-4f45-9708-019B960494DF}">
-                <a14:hiddenLine xmlns="" xmlns:a14="http://schemas.microsoft.com/office/drawing/2010/main" w="9525">
+                <a14:hiddenLine xmlns:a14="http://schemas.microsoft.com/office/drawing/2010/main" xmlns="" w="9525">
                   <a:solidFill>
                     <a:srgbClr val="000000"/>
                   </a:solidFill>
@@ -1762,7 +1769,7 @@
             </a:ln>
             <a:extLst>
               <a:ext uri="{91240B29-F687-4f45-9708-019B960494DF}">
-                <a14:hiddenLine xmlns="" xmlns:a14="http://schemas.microsoft.com/office/drawing/2010/main" w="9525">
+                <a14:hiddenLine xmlns:a14="http://schemas.microsoft.com/office/drawing/2010/main" xmlns="" w="9525">
                   <a:solidFill>
                     <a:srgbClr val="000000"/>
                   </a:solidFill>
@@ -1852,7 +1859,7 @@
             </a:ln>
             <a:extLst>
               <a:ext uri="{91240B29-F687-4f45-9708-019B960494DF}">
-                <a14:hiddenLine xmlns="" xmlns:a14="http://schemas.microsoft.com/office/drawing/2010/main" w="9525">
+                <a14:hiddenLine xmlns:a14="http://schemas.microsoft.com/office/drawing/2010/main" xmlns="" w="9525">
                   <a:solidFill>
                     <a:srgbClr val="000000"/>
                   </a:solidFill>
@@ -1908,7 +1915,7 @@
             </a:ln>
             <a:extLst>
               <a:ext uri="{91240B29-F687-4f45-9708-019B960494DF}">
-                <a14:hiddenLine xmlns="" xmlns:a14="http://schemas.microsoft.com/office/drawing/2010/main" w="9525">
+                <a14:hiddenLine xmlns:a14="http://schemas.microsoft.com/office/drawing/2010/main" xmlns="" w="9525">
                   <a:solidFill>
                     <a:srgbClr val="000000"/>
                   </a:solidFill>
@@ -1998,7 +2005,7 @@
             </a:ln>
             <a:extLst>
               <a:ext uri="{91240B29-F687-4f45-9708-019B960494DF}">
-                <a14:hiddenLine xmlns="" xmlns:a14="http://schemas.microsoft.com/office/drawing/2010/main" w="9525">
+                <a14:hiddenLine xmlns:a14="http://schemas.microsoft.com/office/drawing/2010/main" xmlns="" w="9525">
                   <a:solidFill>
                     <a:srgbClr val="000000"/>
                   </a:solidFill>
@@ -2066,7 +2073,7 @@
             </a:ln>
             <a:extLst>
               <a:ext uri="{91240B29-F687-4f45-9708-019B960494DF}">
-                <a14:hiddenLine xmlns="" xmlns:a14="http://schemas.microsoft.com/office/drawing/2010/main" w="9525">
+                <a14:hiddenLine xmlns:a14="http://schemas.microsoft.com/office/drawing/2010/main" xmlns="" w="9525">
                   <a:solidFill>
                     <a:srgbClr val="000000"/>
                   </a:solidFill>
@@ -2156,7 +2163,7 @@
             </a:ln>
             <a:extLst>
               <a:ext uri="{91240B29-F687-4f45-9708-019B960494DF}">
-                <a14:hiddenLine xmlns="" xmlns:a14="http://schemas.microsoft.com/office/drawing/2010/main" w="9525">
+                <a14:hiddenLine xmlns:a14="http://schemas.microsoft.com/office/drawing/2010/main" xmlns="" w="9525">
                   <a:solidFill>
                     <a:srgbClr val="000000"/>
                   </a:solidFill>
@@ -2224,7 +2231,7 @@
             </a:ln>
             <a:extLst>
               <a:ext uri="{91240B29-F687-4f45-9708-019B960494DF}">
-                <a14:hiddenLine xmlns="" xmlns:a14="http://schemas.microsoft.com/office/drawing/2010/main" w="9525">
+                <a14:hiddenLine xmlns:a14="http://schemas.microsoft.com/office/drawing/2010/main" xmlns="" w="9525">
                   <a:solidFill>
                     <a:srgbClr val="000000"/>
                   </a:solidFill>
@@ -2314,7 +2321,7 @@
             </a:ln>
             <a:extLst>
               <a:ext uri="{91240B29-F687-4f45-9708-019B960494DF}">
-                <a14:hiddenLine xmlns="" xmlns:a14="http://schemas.microsoft.com/office/drawing/2010/main" w="9525">
+                <a14:hiddenLine xmlns:a14="http://schemas.microsoft.com/office/drawing/2010/main" xmlns="" w="9525">
                   <a:solidFill>
                     <a:srgbClr val="000000"/>
                   </a:solidFill>
@@ -2348,7 +2355,7 @@
             </a:ln>
             <a:extLst>
               <a:ext uri="{91240B29-F687-4f45-9708-019B960494DF}">
-                <a14:hiddenLine xmlns="" xmlns:a14="http://schemas.microsoft.com/office/drawing/2010/main" w="9525">
+                <a14:hiddenLine xmlns:a14="http://schemas.microsoft.com/office/drawing/2010/main" xmlns="" w="9525">
                   <a:solidFill>
                     <a:srgbClr val="000000"/>
                   </a:solidFill>
@@ -2438,7 +2445,7 @@
             </a:ln>
             <a:extLst>
               <a:ext uri="{91240B29-F687-4f45-9708-019B960494DF}">
-                <a14:hiddenLine xmlns="" xmlns:a14="http://schemas.microsoft.com/office/drawing/2010/main" w="9525">
+                <a14:hiddenLine xmlns:a14="http://schemas.microsoft.com/office/drawing/2010/main" xmlns="" w="9525">
                   <a:solidFill>
                     <a:srgbClr val="000000"/>
                   </a:solidFill>
@@ -2500,7 +2507,7 @@
             </a:ln>
             <a:extLst>
               <a:ext uri="{91240B29-F687-4f45-9708-019B960494DF}">
-                <a14:hiddenLine xmlns="" xmlns:a14="http://schemas.microsoft.com/office/drawing/2010/main" w="9525">
+                <a14:hiddenLine xmlns:a14="http://schemas.microsoft.com/office/drawing/2010/main" xmlns="" w="9525">
                   <a:solidFill>
                     <a:srgbClr val="000000"/>
                   </a:solidFill>
@@ -2562,7 +2569,7 @@
             </a:ln>
             <a:extLst>
               <a:ext uri="{91240B29-F687-4f45-9708-019B960494DF}">
-                <a14:hiddenLine xmlns="" xmlns:a14="http://schemas.microsoft.com/office/drawing/2010/main" w="9525">
+                <a14:hiddenLine xmlns:a14="http://schemas.microsoft.com/office/drawing/2010/main" xmlns="" w="9525">
                   <a:solidFill>
                     <a:srgbClr val="000000"/>
                   </a:solidFill>
@@ -2652,7 +2659,7 @@
             </a:ln>
             <a:extLst>
               <a:ext uri="{91240B29-F687-4f45-9708-019B960494DF}">
-                <a14:hiddenLine xmlns="" xmlns:a14="http://schemas.microsoft.com/office/drawing/2010/main" w="9525">
+                <a14:hiddenLine xmlns:a14="http://schemas.microsoft.com/office/drawing/2010/main" xmlns="" w="9525">
                   <a:solidFill>
                     <a:srgbClr val="000000"/>
                   </a:solidFill>
@@ -2720,7 +2727,7 @@
             </a:ln>
             <a:extLst>
               <a:ext uri="{91240B29-F687-4f45-9708-019B960494DF}">
-                <a14:hiddenLine xmlns="" xmlns:a14="http://schemas.microsoft.com/office/drawing/2010/main" w="9525">
+                <a14:hiddenLine xmlns:a14="http://schemas.microsoft.com/office/drawing/2010/main" xmlns="" w="9525">
                   <a:solidFill>
                     <a:srgbClr val="000000"/>
                   </a:solidFill>
@@ -2782,7 +2789,7 @@
             </a:ln>
             <a:extLst>
               <a:ext uri="{91240B29-F687-4f45-9708-019B960494DF}">
-                <a14:hiddenLine xmlns="" xmlns:a14="http://schemas.microsoft.com/office/drawing/2010/main" w="9525">
+                <a14:hiddenLine xmlns:a14="http://schemas.microsoft.com/office/drawing/2010/main" xmlns="" w="9525">
                   <a:solidFill>
                     <a:srgbClr val="000000"/>
                   </a:solidFill>
@@ -2872,7 +2879,7 @@
             </a:ln>
             <a:extLst>
               <a:ext uri="{91240B29-F687-4f45-9708-019B960494DF}">
-                <a14:hiddenLine xmlns="" xmlns:a14="http://schemas.microsoft.com/office/drawing/2010/main" w="9525">
+                <a14:hiddenLine xmlns:a14="http://schemas.microsoft.com/office/drawing/2010/main" xmlns="" w="9525">
                   <a:solidFill>
                     <a:srgbClr val="000000"/>
                   </a:solidFill>
@@ -2934,7 +2941,7 @@
             </a:ln>
             <a:extLst>
               <a:ext uri="{91240B29-F687-4f45-9708-019B960494DF}">
-                <a14:hiddenLine xmlns="" xmlns:a14="http://schemas.microsoft.com/office/drawing/2010/main" w="9525">
+                <a14:hiddenLine xmlns:a14="http://schemas.microsoft.com/office/drawing/2010/main" xmlns="" w="9525">
                   <a:solidFill>
                     <a:srgbClr val="000000"/>
                   </a:solidFill>
@@ -3024,7 +3031,7 @@
             </a:ln>
             <a:extLst>
               <a:ext uri="{91240B29-F687-4f45-9708-019B960494DF}">
-                <a14:hiddenLine xmlns="" xmlns:a14="http://schemas.microsoft.com/office/drawing/2010/main" w="9525">
+                <a14:hiddenLine xmlns:a14="http://schemas.microsoft.com/office/drawing/2010/main" xmlns="" w="9525">
                   <a:solidFill>
                     <a:srgbClr val="000000"/>
                   </a:solidFill>
@@ -3086,7 +3093,7 @@
             </a:ln>
             <a:extLst>
               <a:ext uri="{91240B29-F687-4f45-9708-019B960494DF}">
-                <a14:hiddenLine xmlns="" xmlns:a14="http://schemas.microsoft.com/office/drawing/2010/main" w="9525">
+                <a14:hiddenLine xmlns:a14="http://schemas.microsoft.com/office/drawing/2010/main" xmlns="" w="9525">
                   <a:solidFill>
                     <a:srgbClr val="000000"/>
                   </a:solidFill>
@@ -3176,7 +3183,7 @@
             </a:ln>
             <a:extLst>
               <a:ext uri="{91240B29-F687-4f45-9708-019B960494DF}">
-                <a14:hiddenLine xmlns="" xmlns:a14="http://schemas.microsoft.com/office/drawing/2010/main" w="9525">
+                <a14:hiddenLine xmlns:a14="http://schemas.microsoft.com/office/drawing/2010/main" xmlns="" w="9525">
                   <a:solidFill>
                     <a:srgbClr val="000000"/>
                   </a:solidFill>
@@ -3210,7 +3217,7 @@
             </a:ln>
             <a:extLst>
               <a:ext uri="{91240B29-F687-4f45-9708-019B960494DF}">
-                <a14:hiddenLine xmlns="" xmlns:a14="http://schemas.microsoft.com/office/drawing/2010/main" w="9525">
+                <a14:hiddenLine xmlns:a14="http://schemas.microsoft.com/office/drawing/2010/main" xmlns="" w="9525">
                   <a:solidFill>
                     <a:srgbClr val="000000"/>
                   </a:solidFill>
@@ -3275,7 +3282,7 @@
             </a:ln>
             <a:extLst>
               <a:ext uri="{91240B29-F687-4f45-9708-019B960494DF}">
-                <a14:hiddenLine xmlns="" xmlns:a14="http://schemas.microsoft.com/office/drawing/2010/main" w="9525">
+                <a14:hiddenLine xmlns:a14="http://schemas.microsoft.com/office/drawing/2010/main" xmlns="" w="9525">
                   <a:solidFill>
                     <a:srgbClr val="000000"/>
                   </a:solidFill>
@@ -3365,7 +3372,7 @@
             </a:ln>
             <a:extLst>
               <a:ext uri="{91240B29-F687-4f45-9708-019B960494DF}">
-                <a14:hiddenLine xmlns="" xmlns:a14="http://schemas.microsoft.com/office/drawing/2010/main" w="9525">
+                <a14:hiddenLine xmlns:a14="http://schemas.microsoft.com/office/drawing/2010/main" xmlns="" w="9525">
                   <a:solidFill>
                     <a:srgbClr val="000000"/>
                   </a:solidFill>
@@ -3427,7 +3434,7 @@
             </a:ln>
             <a:extLst>
               <a:ext uri="{91240B29-F687-4f45-9708-019B960494DF}">
-                <a14:hiddenLine xmlns="" xmlns:a14="http://schemas.microsoft.com/office/drawing/2010/main" w="9525">
+                <a14:hiddenLine xmlns:a14="http://schemas.microsoft.com/office/drawing/2010/main" xmlns="" w="9525">
                   <a:solidFill>
                     <a:srgbClr val="000000"/>
                   </a:solidFill>
@@ -3517,7 +3524,7 @@
             </a:ln>
             <a:extLst>
               <a:ext uri="{91240B29-F687-4f45-9708-019B960494DF}">
-                <a14:hiddenLine xmlns="" xmlns:a14="http://schemas.microsoft.com/office/drawing/2010/main" w="9525">
+                <a14:hiddenLine xmlns:a14="http://schemas.microsoft.com/office/drawing/2010/main" xmlns="" w="9525">
                   <a:solidFill>
                     <a:srgbClr val="000000"/>
                   </a:solidFill>
@@ -3607,7 +3614,7 @@
             </a:ln>
             <a:extLst>
               <a:ext uri="{91240B29-F687-4f45-9708-019B960494DF}">
-                <a14:hiddenLine xmlns="" xmlns:a14="http://schemas.microsoft.com/office/drawing/2010/main" w="9525">
+                <a14:hiddenLine xmlns:a14="http://schemas.microsoft.com/office/drawing/2010/main" xmlns="" w="9525">
                   <a:solidFill>
                     <a:srgbClr val="000000"/>
                   </a:solidFill>
@@ -3672,7 +3679,7 @@
             </a:ln>
             <a:extLst>
               <a:ext uri="{91240B29-F687-4f45-9708-019B960494DF}">
-                <a14:hiddenLine xmlns="" xmlns:a14="http://schemas.microsoft.com/office/drawing/2010/main" w="9525">
+                <a14:hiddenLine xmlns:a14="http://schemas.microsoft.com/office/drawing/2010/main" xmlns="" w="9525">
                   <a:solidFill>
                     <a:srgbClr val="000000"/>
                   </a:solidFill>
@@ -3734,7 +3741,7 @@
             </a:ln>
             <a:extLst>
               <a:ext uri="{91240B29-F687-4f45-9708-019B960494DF}">
-                <a14:hiddenLine xmlns="" xmlns:a14="http://schemas.microsoft.com/office/drawing/2010/main" w="9525">
+                <a14:hiddenLine xmlns:a14="http://schemas.microsoft.com/office/drawing/2010/main" xmlns="" w="9525">
                   <a:solidFill>
                     <a:srgbClr val="000000"/>
                   </a:solidFill>
@@ -3824,7 +3831,7 @@
             </a:ln>
             <a:extLst>
               <a:ext uri="{91240B29-F687-4f45-9708-019B960494DF}">
-                <a14:hiddenLine xmlns="" xmlns:a14="http://schemas.microsoft.com/office/drawing/2010/main" w="9525">
+                <a14:hiddenLine xmlns:a14="http://schemas.microsoft.com/office/drawing/2010/main" xmlns="" w="9525">
                   <a:solidFill>
                     <a:srgbClr val="000000"/>
                   </a:solidFill>
@@ -3914,7 +3921,7 @@
             </a:ln>
             <a:extLst>
               <a:ext uri="{91240B29-F687-4f45-9708-019B960494DF}">
-                <a14:hiddenLine xmlns="" xmlns:a14="http://schemas.microsoft.com/office/drawing/2010/main" w="9525">
+                <a14:hiddenLine xmlns:a14="http://schemas.microsoft.com/office/drawing/2010/main" xmlns="" w="9525">
                   <a:solidFill>
                     <a:srgbClr val="000000"/>
                   </a:solidFill>
@@ -3976,7 +3983,7 @@
             </a:ln>
             <a:extLst>
               <a:ext uri="{91240B29-F687-4f45-9708-019B960494DF}">
-                <a14:hiddenLine xmlns="" xmlns:a14="http://schemas.microsoft.com/office/drawing/2010/main" w="9525">
+                <a14:hiddenLine xmlns:a14="http://schemas.microsoft.com/office/drawing/2010/main" xmlns="" w="9525">
                   <a:solidFill>
                     <a:srgbClr val="000000"/>
                   </a:solidFill>
@@ -4096,7 +4103,7 @@
             </a:ln>
             <a:extLst>
               <a:ext uri="{91240B29-F687-4f45-9708-019B960494DF}">
-                <a14:hiddenLine xmlns="" xmlns:a14="http://schemas.microsoft.com/office/drawing/2010/main" w="9525">
+                <a14:hiddenLine xmlns:a14="http://schemas.microsoft.com/office/drawing/2010/main" xmlns="" w="9525">
                   <a:solidFill>
                     <a:srgbClr val="000000"/>
                   </a:solidFill>
@@ -4164,7 +4171,7 @@
             </a:ln>
             <a:extLst>
               <a:ext uri="{91240B29-F687-4f45-9708-019B960494DF}">
-                <a14:hiddenLine xmlns="" xmlns:a14="http://schemas.microsoft.com/office/drawing/2010/main" w="9525">
+                <a14:hiddenLine xmlns:a14="http://schemas.microsoft.com/office/drawing/2010/main" xmlns="" w="9525">
                   <a:solidFill>
                     <a:srgbClr val="000000"/>
                   </a:solidFill>
@@ -4254,7 +4261,7 @@
             </a:ln>
             <a:extLst>
               <a:ext uri="{91240B29-F687-4f45-9708-019B960494DF}">
-                <a14:hiddenLine xmlns="" xmlns:a14="http://schemas.microsoft.com/office/drawing/2010/main" w="9525">
+                <a14:hiddenLine xmlns:a14="http://schemas.microsoft.com/office/drawing/2010/main" xmlns="" w="9525">
                   <a:solidFill>
                     <a:srgbClr val="000000"/>
                   </a:solidFill>
@@ -8976,7 +8983,7 @@
           <a:noFill/>
           <a:extLst>
             <a:ext uri="{909E8E84-426E-40dd-AFC4-6F175D3DCCD1}">
-              <a14:hiddenFill xmlns="" xmlns:a14="http://schemas.microsoft.com/office/drawing/2010/main">
+              <a14:hiddenFill xmlns:a14="http://schemas.microsoft.com/office/drawing/2010/main" xmlns="">
                 <a:solidFill>
                   <a:srgbClr val="FFFFFF"/>
                 </a:solidFill>
@@ -9050,7 +9057,7 @@
               </a:ln>
               <a:extLst>
                 <a:ext uri="{91240B29-F687-4f45-9708-019B960494DF}">
-                  <a14:hiddenLine xmlns="" xmlns:a14="http://schemas.microsoft.com/office/drawing/2010/main" w="9525">
+                  <a14:hiddenLine xmlns:a14="http://schemas.microsoft.com/office/drawing/2010/main" xmlns="" w="9525">
                     <a:solidFill>
                       <a:srgbClr val="000000"/>
                     </a:solidFill>
@@ -9140,7 +9147,7 @@
               </a:ln>
               <a:extLst>
                 <a:ext uri="{91240B29-F687-4f45-9708-019B960494DF}">
-                  <a14:hiddenLine xmlns="" xmlns:a14="http://schemas.microsoft.com/office/drawing/2010/main" w="9525">
+                  <a14:hiddenLine xmlns:a14="http://schemas.microsoft.com/office/drawing/2010/main" xmlns="" w="9525">
                     <a:solidFill>
                       <a:srgbClr val="000000"/>
                     </a:solidFill>
@@ -9230,7 +9237,7 @@
               </a:ln>
               <a:extLst>
                 <a:ext uri="{91240B29-F687-4f45-9708-019B960494DF}">
-                  <a14:hiddenLine xmlns="" xmlns:a14="http://schemas.microsoft.com/office/drawing/2010/main" w="9525">
+                  <a14:hiddenLine xmlns:a14="http://schemas.microsoft.com/office/drawing/2010/main" xmlns="" w="9525">
                     <a:solidFill>
                       <a:srgbClr val="000000"/>
                     </a:solidFill>
@@ -9292,7 +9299,7 @@
               </a:ln>
               <a:extLst>
                 <a:ext uri="{91240B29-F687-4f45-9708-019B960494DF}">
-                  <a14:hiddenLine xmlns="" xmlns:a14="http://schemas.microsoft.com/office/drawing/2010/main" w="9525">
+                  <a14:hiddenLine xmlns:a14="http://schemas.microsoft.com/office/drawing/2010/main" xmlns="" w="9525">
                     <a:solidFill>
                       <a:srgbClr val="000000"/>
                     </a:solidFill>
@@ -9382,7 +9389,7 @@
               </a:ln>
               <a:extLst>
                 <a:ext uri="{91240B29-F687-4f45-9708-019B960494DF}">
-                  <a14:hiddenLine xmlns="" xmlns:a14="http://schemas.microsoft.com/office/drawing/2010/main" w="9525">
+                  <a14:hiddenLine xmlns:a14="http://schemas.microsoft.com/office/drawing/2010/main" xmlns="" w="9525">
                     <a:solidFill>
                       <a:srgbClr val="000000"/>
                     </a:solidFill>
@@ -9444,7 +9451,7 @@
               </a:ln>
               <a:extLst>
                 <a:ext uri="{91240B29-F687-4f45-9708-019B960494DF}">
-                  <a14:hiddenLine xmlns="" xmlns:a14="http://schemas.microsoft.com/office/drawing/2010/main" w="9525">
+                  <a14:hiddenLine xmlns:a14="http://schemas.microsoft.com/office/drawing/2010/main" xmlns="" w="9525">
                     <a:solidFill>
                       <a:srgbClr val="000000"/>
                     </a:solidFill>
@@ -9506,7 +9513,7 @@
               </a:ln>
               <a:extLst>
                 <a:ext uri="{91240B29-F687-4f45-9708-019B960494DF}">
-                  <a14:hiddenLine xmlns="" xmlns:a14="http://schemas.microsoft.com/office/drawing/2010/main" w="9525">
+                  <a14:hiddenLine xmlns:a14="http://schemas.microsoft.com/office/drawing/2010/main" xmlns="" w="9525">
                     <a:solidFill>
                       <a:srgbClr val="000000"/>
                     </a:solidFill>
@@ -9596,7 +9603,7 @@
               </a:ln>
               <a:extLst>
                 <a:ext uri="{91240B29-F687-4f45-9708-019B960494DF}">
-                  <a14:hiddenLine xmlns="" xmlns:a14="http://schemas.microsoft.com/office/drawing/2010/main" w="9525">
+                  <a14:hiddenLine xmlns:a14="http://schemas.microsoft.com/office/drawing/2010/main" xmlns="" w="9525">
                     <a:solidFill>
                       <a:srgbClr val="000000"/>
                     </a:solidFill>
@@ -9686,7 +9693,7 @@
               </a:ln>
               <a:extLst>
                 <a:ext uri="{91240B29-F687-4f45-9708-019B960494DF}">
-                  <a14:hiddenLine xmlns="" xmlns:a14="http://schemas.microsoft.com/office/drawing/2010/main" w="9525">
+                  <a14:hiddenLine xmlns:a14="http://schemas.microsoft.com/office/drawing/2010/main" xmlns="" w="9525">
                     <a:solidFill>
                       <a:srgbClr val="000000"/>
                     </a:solidFill>
@@ -9748,7 +9755,7 @@
               </a:ln>
               <a:extLst>
                 <a:ext uri="{91240B29-F687-4f45-9708-019B960494DF}">
-                  <a14:hiddenLine xmlns="" xmlns:a14="http://schemas.microsoft.com/office/drawing/2010/main" w="9525">
+                  <a14:hiddenLine xmlns:a14="http://schemas.microsoft.com/office/drawing/2010/main" xmlns="" w="9525">
                     <a:solidFill>
                       <a:srgbClr val="000000"/>
                     </a:solidFill>
@@ -9858,7 +9865,7 @@
               </a:ln>
               <a:extLst>
                 <a:ext uri="{91240B29-F687-4f45-9708-019B960494DF}">
-                  <a14:hiddenLine xmlns="" xmlns:a14="http://schemas.microsoft.com/office/drawing/2010/main" w="9525">
+                  <a14:hiddenLine xmlns:a14="http://schemas.microsoft.com/office/drawing/2010/main" xmlns="" w="9525">
                     <a:solidFill>
                       <a:srgbClr val="000000"/>
                     </a:solidFill>
@@ -9942,7 +9949,7 @@
               </a:ln>
               <a:extLst>
                 <a:ext uri="{91240B29-F687-4f45-9708-019B960494DF}">
-                  <a14:hiddenLine xmlns="" xmlns:a14="http://schemas.microsoft.com/office/drawing/2010/main" w="9525">
+                  <a14:hiddenLine xmlns:a14="http://schemas.microsoft.com/office/drawing/2010/main" xmlns="" w="9525">
                     <a:solidFill>
                       <a:srgbClr val="000000"/>
                     </a:solidFill>
@@ -10004,7 +10011,7 @@
               </a:ln>
               <a:extLst>
                 <a:ext uri="{91240B29-F687-4f45-9708-019B960494DF}">
-                  <a14:hiddenLine xmlns="" xmlns:a14="http://schemas.microsoft.com/office/drawing/2010/main" w="9525">
+                  <a14:hiddenLine xmlns:a14="http://schemas.microsoft.com/office/drawing/2010/main" xmlns="" w="9525">
                     <a:solidFill>
                       <a:srgbClr val="000000"/>
                     </a:solidFill>
@@ -10066,7 +10073,7 @@
               </a:ln>
               <a:extLst>
                 <a:ext uri="{91240B29-F687-4f45-9708-019B960494DF}">
-                  <a14:hiddenLine xmlns="" xmlns:a14="http://schemas.microsoft.com/office/drawing/2010/main" w="9525">
+                  <a14:hiddenLine xmlns:a14="http://schemas.microsoft.com/office/drawing/2010/main" xmlns="" w="9525">
                     <a:solidFill>
                       <a:srgbClr val="000000"/>
                     </a:solidFill>
@@ -10156,7 +10163,7 @@
               </a:ln>
               <a:extLst>
                 <a:ext uri="{91240B29-F687-4f45-9708-019B960494DF}">
-                  <a14:hiddenLine xmlns="" xmlns:a14="http://schemas.microsoft.com/office/drawing/2010/main" w="9525">
+                  <a14:hiddenLine xmlns:a14="http://schemas.microsoft.com/office/drawing/2010/main" xmlns="" w="9525">
                     <a:solidFill>
                       <a:srgbClr val="000000"/>
                     </a:solidFill>
@@ -10190,7 +10197,7 @@
               </a:ln>
               <a:extLst>
                 <a:ext uri="{91240B29-F687-4f45-9708-019B960494DF}">
-                  <a14:hiddenLine xmlns="" xmlns:a14="http://schemas.microsoft.com/office/drawing/2010/main" w="9525">
+                  <a14:hiddenLine xmlns:a14="http://schemas.microsoft.com/office/drawing/2010/main" xmlns="" w="9525">
                     <a:solidFill>
                       <a:srgbClr val="000000"/>
                     </a:solidFill>
@@ -10255,7 +10262,7 @@
               </a:ln>
               <a:extLst>
                 <a:ext uri="{91240B29-F687-4f45-9708-019B960494DF}">
-                  <a14:hiddenLine xmlns="" xmlns:a14="http://schemas.microsoft.com/office/drawing/2010/main" w="9525">
+                  <a14:hiddenLine xmlns:a14="http://schemas.microsoft.com/office/drawing/2010/main" xmlns="" w="9525">
                     <a:solidFill>
                       <a:srgbClr val="000000"/>
                     </a:solidFill>
@@ -10345,7 +10352,7 @@
               </a:ln>
               <a:extLst>
                 <a:ext uri="{91240B29-F687-4f45-9708-019B960494DF}">
-                  <a14:hiddenLine xmlns="" xmlns:a14="http://schemas.microsoft.com/office/drawing/2010/main" w="9525">
+                  <a14:hiddenLine xmlns:a14="http://schemas.microsoft.com/office/drawing/2010/main" xmlns="" w="9525">
                     <a:solidFill>
                       <a:srgbClr val="000000"/>
                     </a:solidFill>
@@ -10407,7 +10414,7 @@
               </a:ln>
               <a:extLst>
                 <a:ext uri="{91240B29-F687-4f45-9708-019B960494DF}">
-                  <a14:hiddenLine xmlns="" xmlns:a14="http://schemas.microsoft.com/office/drawing/2010/main" w="9525">
+                  <a14:hiddenLine xmlns:a14="http://schemas.microsoft.com/office/drawing/2010/main" xmlns="" w="9525">
                     <a:solidFill>
                       <a:srgbClr val="000000"/>
                     </a:solidFill>
@@ -10497,7 +10504,7 @@
               </a:ln>
               <a:extLst>
                 <a:ext uri="{91240B29-F687-4f45-9708-019B960494DF}">
-                  <a14:hiddenLine xmlns="" xmlns:a14="http://schemas.microsoft.com/office/drawing/2010/main" w="9525">
+                  <a14:hiddenLine xmlns:a14="http://schemas.microsoft.com/office/drawing/2010/main" xmlns="" w="9525">
                     <a:solidFill>
                       <a:srgbClr val="000000"/>
                     </a:solidFill>
@@ -10562,7 +10569,7 @@
               </a:ln>
               <a:extLst>
                 <a:ext uri="{91240B29-F687-4f45-9708-019B960494DF}">
-                  <a14:hiddenLine xmlns="" xmlns:a14="http://schemas.microsoft.com/office/drawing/2010/main" w="9525">
+                  <a14:hiddenLine xmlns:a14="http://schemas.microsoft.com/office/drawing/2010/main" xmlns="" w="9525">
                     <a:solidFill>
                       <a:srgbClr val="000000"/>
                     </a:solidFill>
@@ -10624,7 +10631,7 @@
               </a:ln>
               <a:extLst>
                 <a:ext uri="{91240B29-F687-4f45-9708-019B960494DF}">
-                  <a14:hiddenLine xmlns="" xmlns:a14="http://schemas.microsoft.com/office/drawing/2010/main" w="9525">
+                  <a14:hiddenLine xmlns:a14="http://schemas.microsoft.com/office/drawing/2010/main" xmlns="" w="9525">
                     <a:solidFill>
                       <a:srgbClr val="000000"/>
                     </a:solidFill>
@@ -10714,7 +10721,7 @@
               </a:ln>
               <a:extLst>
                 <a:ext uri="{91240B29-F687-4f45-9708-019B960494DF}">
-                  <a14:hiddenLine xmlns="" xmlns:a14="http://schemas.microsoft.com/office/drawing/2010/main" w="9525">
+                  <a14:hiddenLine xmlns:a14="http://schemas.microsoft.com/office/drawing/2010/main" xmlns="" w="9525">
                     <a:solidFill>
                       <a:srgbClr val="000000"/>
                     </a:solidFill>
@@ -10804,7 +10811,7 @@
               </a:ln>
               <a:extLst>
                 <a:ext uri="{91240B29-F687-4f45-9708-019B960494DF}">
-                  <a14:hiddenLine xmlns="" xmlns:a14="http://schemas.microsoft.com/office/drawing/2010/main" w="9525">
+                  <a14:hiddenLine xmlns:a14="http://schemas.microsoft.com/office/drawing/2010/main" xmlns="" w="9525">
                     <a:solidFill>
                       <a:srgbClr val="000000"/>
                     </a:solidFill>
@@ -10869,7 +10876,7 @@
               </a:ln>
               <a:extLst>
                 <a:ext uri="{91240B29-F687-4f45-9708-019B960494DF}">
-                  <a14:hiddenLine xmlns="" xmlns:a14="http://schemas.microsoft.com/office/drawing/2010/main" w="9525">
+                  <a14:hiddenLine xmlns:a14="http://schemas.microsoft.com/office/drawing/2010/main" xmlns="" w="9525">
                     <a:solidFill>
                       <a:srgbClr val="000000"/>
                     </a:solidFill>
@@ -10989,7 +10996,7 @@
               </a:ln>
               <a:extLst>
                 <a:ext uri="{91240B29-F687-4f45-9708-019B960494DF}">
-                  <a14:hiddenLine xmlns="" xmlns:a14="http://schemas.microsoft.com/office/drawing/2010/main" w="9525">
+                  <a14:hiddenLine xmlns:a14="http://schemas.microsoft.com/office/drawing/2010/main" xmlns="" w="9525">
                     <a:solidFill>
                       <a:srgbClr val="000000"/>
                     </a:solidFill>
@@ -11087,7 +11094,7 @@
               </a:ln>
               <a:extLst>
                 <a:ext uri="{91240B29-F687-4f45-9708-019B960494DF}">
-                  <a14:hiddenLine xmlns="" xmlns:a14="http://schemas.microsoft.com/office/drawing/2010/main" w="9525">
+                  <a14:hiddenLine xmlns:a14="http://schemas.microsoft.com/office/drawing/2010/main" xmlns="" w="9525">
                     <a:solidFill>
                       <a:srgbClr val="000000"/>
                     </a:solidFill>
@@ -11202,7 +11209,7 @@
               </a:ln>
               <a:extLst>
                 <a:ext uri="{91240B29-F687-4f45-9708-019B960494DF}">
-                  <a14:hiddenLine xmlns="" xmlns:a14="http://schemas.microsoft.com/office/drawing/2010/main" w="9525">
+                  <a14:hiddenLine xmlns:a14="http://schemas.microsoft.com/office/drawing/2010/main" xmlns="" w="9525">
                     <a:solidFill>
                       <a:srgbClr val="000000"/>
                     </a:solidFill>
@@ -11292,7 +11299,7 @@
               </a:ln>
               <a:extLst>
                 <a:ext uri="{91240B29-F687-4f45-9708-019B960494DF}">
-                  <a14:hiddenLine xmlns="" xmlns:a14="http://schemas.microsoft.com/office/drawing/2010/main" w="9525">
+                  <a14:hiddenLine xmlns:a14="http://schemas.microsoft.com/office/drawing/2010/main" xmlns="" w="9525">
                     <a:solidFill>
                       <a:srgbClr val="000000"/>
                     </a:solidFill>
@@ -11357,7 +11364,7 @@
               </a:ln>
               <a:extLst>
                 <a:ext uri="{91240B29-F687-4f45-9708-019B960494DF}">
-                  <a14:hiddenLine xmlns="" xmlns:a14="http://schemas.microsoft.com/office/drawing/2010/main" w="9525">
+                  <a14:hiddenLine xmlns:a14="http://schemas.microsoft.com/office/drawing/2010/main" xmlns="" w="9525">
                     <a:solidFill>
                       <a:srgbClr val="000000"/>
                     </a:solidFill>
@@ -11447,7 +11454,7 @@
               </a:ln>
               <a:extLst>
                 <a:ext uri="{91240B29-F687-4f45-9708-019B960494DF}">
-                  <a14:hiddenLine xmlns="" xmlns:a14="http://schemas.microsoft.com/office/drawing/2010/main" w="9525">
+                  <a14:hiddenLine xmlns:a14="http://schemas.microsoft.com/office/drawing/2010/main" xmlns="" w="9525">
                     <a:solidFill>
                       <a:srgbClr val="000000"/>
                     </a:solidFill>
@@ -11515,7 +11522,7 @@
               </a:ln>
               <a:extLst>
                 <a:ext uri="{91240B29-F687-4f45-9708-019B960494DF}">
-                  <a14:hiddenLine xmlns="" xmlns:a14="http://schemas.microsoft.com/office/drawing/2010/main" w="9525">
+                  <a14:hiddenLine xmlns:a14="http://schemas.microsoft.com/office/drawing/2010/main" xmlns="" w="9525">
                     <a:solidFill>
                       <a:srgbClr val="000000"/>
                     </a:solidFill>
@@ -11605,7 +11612,7 @@
               </a:ln>
               <a:extLst>
                 <a:ext uri="{91240B29-F687-4f45-9708-019B960494DF}">
-                  <a14:hiddenLine xmlns="" xmlns:a14="http://schemas.microsoft.com/office/drawing/2010/main" w="9525">
+                  <a14:hiddenLine xmlns:a14="http://schemas.microsoft.com/office/drawing/2010/main" xmlns="" w="9525">
                     <a:solidFill>
                       <a:srgbClr val="000000"/>
                     </a:solidFill>
@@ -11673,7 +11680,7 @@
               </a:ln>
               <a:extLst>
                 <a:ext uri="{91240B29-F687-4f45-9708-019B960494DF}">
-                  <a14:hiddenLine xmlns="" xmlns:a14="http://schemas.microsoft.com/office/drawing/2010/main" w="9525">
+                  <a14:hiddenLine xmlns:a14="http://schemas.microsoft.com/office/drawing/2010/main" xmlns="" w="9525">
                     <a:solidFill>
                       <a:srgbClr val="000000"/>
                     </a:solidFill>
@@ -11763,7 +11770,7 @@
               </a:ln>
               <a:extLst>
                 <a:ext uri="{91240B29-F687-4f45-9708-019B960494DF}">
-                  <a14:hiddenLine xmlns="" xmlns:a14="http://schemas.microsoft.com/office/drawing/2010/main" w="9525">
+                  <a14:hiddenLine xmlns:a14="http://schemas.microsoft.com/office/drawing/2010/main" xmlns="" w="9525">
                     <a:solidFill>
                       <a:srgbClr val="000000"/>
                     </a:solidFill>
@@ -11797,7 +11804,7 @@
               </a:ln>
               <a:extLst>
                 <a:ext uri="{91240B29-F687-4f45-9708-019B960494DF}">
-                  <a14:hiddenLine xmlns="" xmlns:a14="http://schemas.microsoft.com/office/drawing/2010/main" w="9525">
+                  <a14:hiddenLine xmlns:a14="http://schemas.microsoft.com/office/drawing/2010/main" xmlns="" w="9525">
                     <a:solidFill>
                       <a:srgbClr val="000000"/>
                     </a:solidFill>
@@ -12376,6 +12383,10 @@
           <a:lstStyle/>
           <a:p>
             <a:r>
+              <a:rPr lang="fr-CA" dirty="0"/>
+              <a:t>Part 1 - </a:t>
+            </a:r>
+            <a:r>
               <a:rPr lang="fr-CA" dirty="0" err="1"/>
               <a:t>Redux</a:t>
             </a:r>
@@ -12404,26 +12415,6 @@
           <a:bodyPr/>
           <a:lstStyle/>
           <a:p>
-            <a:r>
-              <a:rPr lang="fr-CA" dirty="0" err="1"/>
-              <a:t>Advanced</a:t>
-            </a:r>
-            <a:r>
-              <a:rPr lang="fr-CA" sz="1200" dirty="0" err="1"/>
-              <a:t>issshhh</a:t>
-            </a:r>
-            <a:r>
-              <a:rPr lang="fr-CA" dirty="0"/>
-              <a:t> </a:t>
-            </a:r>
-            <a:r>
-              <a:rPr lang="fr-CA" dirty="0" err="1"/>
-              <a:t>Redux</a:t>
-            </a:r>
-            <a:r>
-              <a:rPr lang="fr-CA" dirty="0"/>
-              <a:t> pattern</a:t>
-            </a:r>
             <a:endParaRPr lang="en-US" dirty="0"/>
           </a:p>
         </p:txBody>
@@ -12488,7 +12479,7 @@
 </p:sld>
 </file>
 
-<file path=ppt/slides/slide2.xml><?xml version="1.0" encoding="utf-8"?>
+<file path=ppt/slides/slide10.xml><?xml version="1.0" encoding="utf-8"?>
 <p:sld xmlns:a="http://schemas.openxmlformats.org/drawingml/2006/main" xmlns:r="http://schemas.openxmlformats.org/officeDocument/2006/relationships" xmlns:p="http://schemas.openxmlformats.org/presentationml/2006/main">
   <p:cSld>
     <p:spTree>
@@ -12510,7 +12501,7 @@
           <p:cNvPr id="2" name="Title 1">
             <a:extLst>
               <a:ext uri="{FF2B5EF4-FFF2-40B4-BE49-F238E27FC236}">
-                <a16:creationId xmlns:a16="http://schemas.microsoft.com/office/drawing/2014/main" id="{A811E278-208D-442E-82CA-2474AEAF5D4A}"/>
+                <a16:creationId xmlns:a16="http://schemas.microsoft.com/office/drawing/2014/main" id="{28DA0D65-D4BB-4623-899C-FA39EDB8638A}"/>
               </a:ext>
             </a:extLst>
           </p:cNvPr>
@@ -12521,93 +12512,24 @@
             <p:ph type="title"/>
           </p:nvPr>
         </p:nvSpPr>
-        <p:spPr>
-          <a:xfrm>
-            <a:off x="1141413" y="618518"/>
-            <a:ext cx="9905998" cy="1260616"/>
-          </a:xfrm>
-        </p:spPr>
+        <p:spPr/>
         <p:txBody>
-          <a:bodyPr>
-            <a:normAutofit/>
-          </a:bodyPr>
+          <a:bodyPr/>
           <a:lstStyle/>
           <a:p>
             <a:r>
-              <a:rPr lang="fr-CA" dirty="0"/>
-              <a:t>La description du site=&gt;</a:t>
-            </a:r>
-            <a:br>
-              <a:rPr lang="en-CA" b="1" dirty="0"/>
-            </a:br>
-            <a:endParaRPr lang="en-US" dirty="0"/>
+              <a:rPr lang="en-CA" dirty="0"/>
+              <a:t>Middleware</a:t>
+            </a:r>
           </a:p>
         </p:txBody>
       </p:sp>
       <p:sp>
         <p:nvSpPr>
-          <p:cNvPr id="4" name="Title 1">
+          <p:cNvPr id="4" name="Text Placeholder 3">
             <a:extLst>
               <a:ext uri="{FF2B5EF4-FFF2-40B4-BE49-F238E27FC236}">
-                <a16:creationId xmlns:a16="http://schemas.microsoft.com/office/drawing/2014/main" id="{148B0AF6-D525-467C-A228-138D42B79B97}"/>
-              </a:ext>
-            </a:extLst>
-          </p:cNvPr>
-          <p:cNvSpPr txBox="1">
-            <a:spLocks/>
-          </p:cNvSpPr>
-          <p:nvPr/>
-        </p:nvSpPr>
-        <p:spPr>
-          <a:xfrm>
-            <a:off x="1141413" y="2944536"/>
-            <a:ext cx="9905998" cy="1478570"/>
-          </a:xfrm>
-          <a:prstGeom prst="rect">
-            <a:avLst/>
-          </a:prstGeom>
-        </p:spPr>
-        <p:txBody>
-          <a:bodyPr vert="horz" lIns="91440" tIns="45720" rIns="91440" bIns="45720" rtlCol="0" anchor="ctr">
-            <a:normAutofit fontScale="97500" lnSpcReduction="10000"/>
-          </a:bodyPr>
-          <a:lstStyle>
-            <a:lvl1pPr algn="l" defTabSz="914400" rtl="0" eaLnBrk="1" latinLnBrk="0" hangingPunct="1">
-              <a:lnSpc>
-                <a:spcPct val="90000"/>
-              </a:lnSpc>
-              <a:spcBef>
-                <a:spcPct val="0"/>
-              </a:spcBef>
-              <a:buNone/>
-              <a:defRPr sz="3600" kern="1200" cap="all" baseline="0">
-                <a:solidFill>
-                  <a:schemeClr val="tx1"/>
-                </a:solidFill>
-                <a:latin typeface="+mj-lt"/>
-                <a:ea typeface="+mj-ea"/>
-                <a:cs typeface="+mj-cs"/>
-              </a:defRPr>
-            </a:lvl1pPr>
-          </a:lstStyle>
-          <a:p>
-            <a:r>
-              <a:rPr lang="en-CA" b="1" dirty="0"/>
-              <a:t>A predictable state container for JavaScript apps.</a:t>
-            </a:r>
-            <a:br>
-              <a:rPr lang="en-CA" b="1" dirty="0"/>
-            </a:br>
-            <a:endParaRPr lang="en-US" dirty="0"/>
-          </a:p>
-        </p:txBody>
-      </p:sp>
-      <p:sp>
-        <p:nvSpPr>
-          <p:cNvPr id="3" name="Content Placeholder 2">
-            <a:extLst>
-              <a:ext uri="{FF2B5EF4-FFF2-40B4-BE49-F238E27FC236}">
-                <a16:creationId xmlns:a16="http://schemas.microsoft.com/office/drawing/2014/main" id="{51099AAC-9213-4A9D-B096-E4B9D7BD37C7}"/>
+                <a16:creationId xmlns:a16="http://schemas.microsoft.com/office/drawing/2014/main" id="{52EE2AFF-65BB-42D0-B852-BDF2D79E0EDD}"/>
               </a:ext>
             </a:extLst>
           </p:cNvPr>
@@ -12615,367 +12537,82 @@
             <a:spLocks noGrp="1"/>
           </p:cNvSpPr>
           <p:nvPr>
-            <p:ph idx="1"/>
+            <p:ph type="body" sz="half" idx="2"/>
           </p:nvPr>
         </p:nvSpPr>
-        <p:spPr>
-          <a:xfrm>
-            <a:off x="889743" y="2652249"/>
-            <a:ext cx="9905999" cy="3541714"/>
-          </a:xfrm>
-        </p:spPr>
+        <p:spPr/>
         <p:txBody>
           <a:bodyPr>
             <a:normAutofit/>
           </a:bodyPr>
           <a:lstStyle/>
           <a:p>
-            <a:pPr marL="0" indent="0" algn="ctr">
-              <a:buNone/>
-            </a:pPr>
-            <a:r>
-              <a:rPr lang="fr-CA" sz="6000" dirty="0">
-                <a:solidFill>
-                  <a:srgbClr val="FF0000"/>
-                </a:solidFill>
-              </a:rPr>
-              <a:t>Ta yeule</a:t>
-            </a:r>
-            <a:endParaRPr lang="en-US" sz="6000" dirty="0">
-              <a:solidFill>
-                <a:srgbClr val="FF0000"/>
-              </a:solidFill>
-            </a:endParaRPr>
+            <a:r>
+              <a:rPr lang="en-CA" sz="2400" dirty="0" err="1"/>
+              <a:t>Même</a:t>
+            </a:r>
+            <a:r>
+              <a:rPr lang="en-CA" sz="2400" dirty="0"/>
+              <a:t> concept </a:t>
+            </a:r>
+            <a:r>
+              <a:rPr lang="en-CA" sz="2400" dirty="0" err="1"/>
+              <a:t>qu’un</a:t>
+            </a:r>
+            <a:r>
+              <a:rPr lang="en-CA" sz="2400" dirty="0"/>
+              <a:t> Middleware </a:t>
+            </a:r>
+            <a:r>
+              <a:rPr lang="en-CA" sz="2400" dirty="0" err="1"/>
+              <a:t>en</a:t>
+            </a:r>
+            <a:r>
+              <a:rPr lang="en-CA" sz="2400" dirty="0"/>
+              <a:t> .NET Core</a:t>
+            </a:r>
           </a:p>
         </p:txBody>
       </p:sp>
+      <p:pic>
+        <p:nvPicPr>
+          <p:cNvPr id="10" name="Picture Placeholder 9">
+            <a:extLst>
+              <a:ext uri="{FF2B5EF4-FFF2-40B4-BE49-F238E27FC236}">
+                <a16:creationId xmlns:a16="http://schemas.microsoft.com/office/drawing/2014/main" id="{D5817222-4F88-42F9-973B-B6D67E0D91A5}"/>
+              </a:ext>
+            </a:extLst>
+          </p:cNvPr>
+          <p:cNvPicPr>
+            <a:picLocks noGrp="1" noChangeAspect="1"/>
+          </p:cNvPicPr>
+          <p:nvPr>
+            <p:ph type="pic" idx="1"/>
+          </p:nvPr>
+        </p:nvPicPr>
+        <p:blipFill>
+          <a:blip r:embed="rId2"/>
+          <a:srcRect t="20404" b="20404"/>
+          <a:stretch>
+            <a:fillRect/>
+          </a:stretch>
+        </p:blipFill>
+        <p:spPr/>
+      </p:pic>
     </p:spTree>
     <p:extLst>
       <p:ext uri="{BB962C8B-B14F-4D97-AF65-F5344CB8AC3E}">
-        <p14:creationId xmlns:p14="http://schemas.microsoft.com/office/powerpoint/2010/main" val="520857931"/>
+        <p14:creationId xmlns:p14="http://schemas.microsoft.com/office/powerpoint/2010/main" val="3486129043"/>
       </p:ext>
     </p:extLst>
   </p:cSld>
   <p:clrMapOvr>
     <a:masterClrMapping/>
   </p:clrMapOvr>
-  <p:timing>
-    <p:tnLst>
-      <p:par>
-        <p:cTn id="1" dur="indefinite" restart="never" nodeType="tmRoot">
-          <p:childTnLst>
-            <p:seq concurrent="1" nextAc="seek">
-              <p:cTn id="2" dur="indefinite" nodeType="mainSeq">
-                <p:childTnLst>
-                  <p:par>
-                    <p:cTn id="3" fill="hold">
-                      <p:stCondLst>
-                        <p:cond delay="indefinite"/>
-                      </p:stCondLst>
-                      <p:childTnLst>
-                        <p:par>
-                          <p:cTn id="4" fill="hold">
-                            <p:stCondLst>
-                              <p:cond delay="0"/>
-                            </p:stCondLst>
-                            <p:childTnLst>
-                              <p:par>
-                                <p:cTn id="5" presetID="1" presetClass="entr" presetSubtype="0" fill="hold" grpId="0" nodeType="clickEffect">
-                                  <p:stCondLst>
-                                    <p:cond delay="0"/>
-                                  </p:stCondLst>
-                                  <p:childTnLst>
-                                    <p:set>
-                                      <p:cBhvr>
-                                        <p:cTn id="6" dur="1" fill="hold">
-                                          <p:stCondLst>
-                                            <p:cond delay="0"/>
-                                          </p:stCondLst>
-                                        </p:cTn>
-                                        <p:tgtEl>
-                                          <p:spTgt spid="2"/>
-                                        </p:tgtEl>
-                                        <p:attrNameLst>
-                                          <p:attrName>style.visibility</p:attrName>
-                                        </p:attrNameLst>
-                                      </p:cBhvr>
-                                      <p:to>
-                                        <p:strVal val="visible"/>
-                                      </p:to>
-                                    </p:set>
-                                  </p:childTnLst>
-                                </p:cTn>
-                              </p:par>
-                            </p:childTnLst>
-                          </p:cTn>
-                        </p:par>
-                      </p:childTnLst>
-                    </p:cTn>
-                  </p:par>
-                  <p:par>
-                    <p:cTn id="7" fill="hold">
-                      <p:stCondLst>
-                        <p:cond delay="indefinite"/>
-                      </p:stCondLst>
-                      <p:childTnLst>
-                        <p:par>
-                          <p:cTn id="8" fill="hold">
-                            <p:stCondLst>
-                              <p:cond delay="0"/>
-                            </p:stCondLst>
-                            <p:childTnLst>
-                              <p:par>
-                                <p:cTn id="9" presetID="2" presetClass="entr" presetSubtype="4" fill="hold" grpId="0" nodeType="clickEffect">
-                                  <p:stCondLst>
-                                    <p:cond delay="0"/>
-                                  </p:stCondLst>
-                                  <p:childTnLst>
-                                    <p:set>
-                                      <p:cBhvr>
-                                        <p:cTn id="10" dur="1" fill="hold">
-                                          <p:stCondLst>
-                                            <p:cond delay="0"/>
-                                          </p:stCondLst>
-                                        </p:cTn>
-                                        <p:tgtEl>
-                                          <p:spTgt spid="4"/>
-                                        </p:tgtEl>
-                                        <p:attrNameLst>
-                                          <p:attrName>style.visibility</p:attrName>
-                                        </p:attrNameLst>
-                                      </p:cBhvr>
-                                      <p:to>
-                                        <p:strVal val="visible"/>
-                                      </p:to>
-                                    </p:set>
-                                    <p:anim calcmode="lin" valueType="num">
-                                      <p:cBhvr additive="base">
-                                        <p:cTn id="11" dur="500" fill="hold"/>
-                                        <p:tgtEl>
-                                          <p:spTgt spid="4"/>
-                                        </p:tgtEl>
-                                        <p:attrNameLst>
-                                          <p:attrName>ppt_x</p:attrName>
-                                        </p:attrNameLst>
-                                      </p:cBhvr>
-                                      <p:tavLst>
-                                        <p:tav tm="0">
-                                          <p:val>
-                                            <p:strVal val="#ppt_x"/>
-                                          </p:val>
-                                        </p:tav>
-                                        <p:tav tm="100000">
-                                          <p:val>
-                                            <p:strVal val="#ppt_x"/>
-                                          </p:val>
-                                        </p:tav>
-                                      </p:tavLst>
-                                    </p:anim>
-                                    <p:anim calcmode="lin" valueType="num">
-                                      <p:cBhvr additive="base">
-                                        <p:cTn id="12" dur="500" fill="hold"/>
-                                        <p:tgtEl>
-                                          <p:spTgt spid="4"/>
-                                        </p:tgtEl>
-                                        <p:attrNameLst>
-                                          <p:attrName>ppt_y</p:attrName>
-                                        </p:attrNameLst>
-                                      </p:cBhvr>
-                                      <p:tavLst>
-                                        <p:tav tm="0">
-                                          <p:val>
-                                            <p:strVal val="1+#ppt_h/2"/>
-                                          </p:val>
-                                        </p:tav>
-                                        <p:tav tm="100000">
-                                          <p:val>
-                                            <p:strVal val="#ppt_y"/>
-                                          </p:val>
-                                        </p:tav>
-                                      </p:tavLst>
-                                    </p:anim>
-                                  </p:childTnLst>
-                                </p:cTn>
-                              </p:par>
-                            </p:childTnLst>
-                          </p:cTn>
-                        </p:par>
-                      </p:childTnLst>
-                    </p:cTn>
-                  </p:par>
-                  <p:par>
-                    <p:cTn id="13" fill="hold">
-                      <p:stCondLst>
-                        <p:cond delay="indefinite"/>
-                      </p:stCondLst>
-                      <p:childTnLst>
-                        <p:par>
-                          <p:cTn id="14" fill="hold">
-                            <p:stCondLst>
-                              <p:cond delay="0"/>
-                            </p:stCondLst>
-                            <p:childTnLst>
-                              <p:par>
-                                <p:cTn id="15" presetID="31" presetClass="entr" presetSubtype="0" fill="hold" grpId="0" nodeType="clickEffect">
-                                  <p:stCondLst>
-                                    <p:cond delay="0"/>
-                                  </p:stCondLst>
-                                  <p:childTnLst>
-                                    <p:set>
-                                      <p:cBhvr>
-                                        <p:cTn id="16" dur="1" fill="hold">
-                                          <p:stCondLst>
-                                            <p:cond delay="0"/>
-                                          </p:stCondLst>
-                                        </p:cTn>
-                                        <p:tgtEl>
-                                          <p:spTgt spid="3">
-                                            <p:txEl>
-                                              <p:pRg st="0" end="0"/>
-                                            </p:txEl>
-                                          </p:spTgt>
-                                        </p:tgtEl>
-                                        <p:attrNameLst>
-                                          <p:attrName>style.visibility</p:attrName>
-                                        </p:attrNameLst>
-                                      </p:cBhvr>
-                                      <p:to>
-                                        <p:strVal val="visible"/>
-                                      </p:to>
-                                    </p:set>
-                                    <p:anim calcmode="lin" valueType="num">
-                                      <p:cBhvr>
-                                        <p:cTn id="17" dur="1000" fill="hold"/>
-                                        <p:tgtEl>
-                                          <p:spTgt spid="3">
-                                            <p:txEl>
-                                              <p:pRg st="0" end="0"/>
-                                            </p:txEl>
-                                          </p:spTgt>
-                                        </p:tgtEl>
-                                        <p:attrNameLst>
-                                          <p:attrName>ppt_w</p:attrName>
-                                        </p:attrNameLst>
-                                      </p:cBhvr>
-                                      <p:tavLst>
-                                        <p:tav tm="0">
-                                          <p:val>
-                                            <p:fltVal val="0"/>
-                                          </p:val>
-                                        </p:tav>
-                                        <p:tav tm="100000">
-                                          <p:val>
-                                            <p:strVal val="#ppt_w"/>
-                                          </p:val>
-                                        </p:tav>
-                                      </p:tavLst>
-                                    </p:anim>
-                                    <p:anim calcmode="lin" valueType="num">
-                                      <p:cBhvr>
-                                        <p:cTn id="18" dur="1000" fill="hold"/>
-                                        <p:tgtEl>
-                                          <p:spTgt spid="3">
-                                            <p:txEl>
-                                              <p:pRg st="0" end="0"/>
-                                            </p:txEl>
-                                          </p:spTgt>
-                                        </p:tgtEl>
-                                        <p:attrNameLst>
-                                          <p:attrName>ppt_h</p:attrName>
-                                        </p:attrNameLst>
-                                      </p:cBhvr>
-                                      <p:tavLst>
-                                        <p:tav tm="0">
-                                          <p:val>
-                                            <p:fltVal val="0"/>
-                                          </p:val>
-                                        </p:tav>
-                                        <p:tav tm="100000">
-                                          <p:val>
-                                            <p:strVal val="#ppt_h"/>
-                                          </p:val>
-                                        </p:tav>
-                                      </p:tavLst>
-                                    </p:anim>
-                                    <p:anim calcmode="lin" valueType="num">
-                                      <p:cBhvr>
-                                        <p:cTn id="19" dur="1000" fill="hold"/>
-                                        <p:tgtEl>
-                                          <p:spTgt spid="3">
-                                            <p:txEl>
-                                              <p:pRg st="0" end="0"/>
-                                            </p:txEl>
-                                          </p:spTgt>
-                                        </p:tgtEl>
-                                        <p:attrNameLst>
-                                          <p:attrName>style.rotation</p:attrName>
-                                        </p:attrNameLst>
-                                      </p:cBhvr>
-                                      <p:tavLst>
-                                        <p:tav tm="0">
-                                          <p:val>
-                                            <p:fltVal val="90"/>
-                                          </p:val>
-                                        </p:tav>
-                                        <p:tav tm="100000">
-                                          <p:val>
-                                            <p:fltVal val="0"/>
-                                          </p:val>
-                                        </p:tav>
-                                      </p:tavLst>
-                                    </p:anim>
-                                    <p:animEffect transition="in" filter="fade">
-                                      <p:cBhvr>
-                                        <p:cTn id="20" dur="1000"/>
-                                        <p:tgtEl>
-                                          <p:spTgt spid="3">
-                                            <p:txEl>
-                                              <p:pRg st="0" end="0"/>
-                                            </p:txEl>
-                                          </p:spTgt>
-                                        </p:tgtEl>
-                                      </p:cBhvr>
-                                    </p:animEffect>
-                                  </p:childTnLst>
-                                </p:cTn>
-                              </p:par>
-                            </p:childTnLst>
-                          </p:cTn>
-                        </p:par>
-                      </p:childTnLst>
-                    </p:cTn>
-                  </p:par>
-                </p:childTnLst>
-              </p:cTn>
-              <p:prevCondLst>
-                <p:cond evt="onPrev" delay="0">
-                  <p:tgtEl>
-                    <p:sldTgt/>
-                  </p:tgtEl>
-                </p:cond>
-              </p:prevCondLst>
-              <p:nextCondLst>
-                <p:cond evt="onNext" delay="0">
-                  <p:tgtEl>
-                    <p:sldTgt/>
-                  </p:tgtEl>
-                </p:cond>
-              </p:nextCondLst>
-            </p:seq>
-          </p:childTnLst>
-        </p:cTn>
-      </p:par>
-    </p:tnLst>
-    <p:bldLst>
-      <p:bldP spid="2" grpId="0"/>
-      <p:bldP spid="4" grpId="0"/>
-      <p:bldP spid="3" grpId="0" build="p"/>
-    </p:bldLst>
-  </p:timing>
 </p:sld>
 </file>
 
-<file path=ppt/slides/slide3.xml><?xml version="1.0" encoding="utf-8"?>
+<file path=ppt/slides/slide11.xml><?xml version="1.0" encoding="utf-8"?>
 <p:sld xmlns:a="http://schemas.openxmlformats.org/drawingml/2006/main" xmlns:r="http://schemas.openxmlformats.org/officeDocument/2006/relationships" xmlns:p="http://schemas.openxmlformats.org/presentationml/2006/main">
   <p:cSld>
     <p:spTree>
@@ -12997,7 +12634,7 @@
           <p:cNvPr id="2" name="Title 1">
             <a:extLst>
               <a:ext uri="{FF2B5EF4-FFF2-40B4-BE49-F238E27FC236}">
-                <a16:creationId xmlns:a16="http://schemas.microsoft.com/office/drawing/2014/main" id="{AC7AF0F1-27FB-460F-8963-9C4B3082445E}"/>
+                <a16:creationId xmlns:a16="http://schemas.microsoft.com/office/drawing/2014/main" id="{12A97DEC-D5F5-4958-9D67-B2600DFE3E6B}"/>
               </a:ext>
             </a:extLst>
           </p:cNvPr>
@@ -13014,63 +12651,45 @@
           <a:lstStyle/>
           <a:p>
             <a:r>
-              <a:rPr lang="fr-CA" dirty="0"/>
-              <a:t>Une description plus simple</a:t>
-            </a:r>
-            <a:endParaRPr lang="en-US" dirty="0"/>
+              <a:rPr lang="en-CA" dirty="0"/>
+              <a:t>Redux pipeline</a:t>
+            </a:r>
           </a:p>
         </p:txBody>
       </p:sp>
-      <p:sp>
-        <p:nvSpPr>
-          <p:cNvPr id="3" name="Content Placeholder 2">
+      <p:pic>
+        <p:nvPicPr>
+          <p:cNvPr id="5" name="Content Placeholder 4">
             <a:extLst>
               <a:ext uri="{FF2B5EF4-FFF2-40B4-BE49-F238E27FC236}">
-                <a16:creationId xmlns:a16="http://schemas.microsoft.com/office/drawing/2014/main" id="{1B759A91-1DCD-4A0A-AC79-39FEC1CB75BD}"/>
+                <a16:creationId xmlns:a16="http://schemas.microsoft.com/office/drawing/2014/main" id="{5F4D458B-1BCA-4F3F-8396-485A80AC0EAF}"/>
               </a:ext>
             </a:extLst>
           </p:cNvPr>
-          <p:cNvSpPr>
-            <a:spLocks noGrp="1"/>
-          </p:cNvSpPr>
+          <p:cNvPicPr>
+            <a:picLocks noGrp="1" noChangeAspect="1"/>
+          </p:cNvPicPr>
           <p:nvPr>
             <p:ph idx="1"/>
           </p:nvPr>
-        </p:nvSpPr>
+        </p:nvPicPr>
+        <p:blipFill>
+          <a:blip r:embed="rId2"/>
+          <a:stretch>
+            <a:fillRect/>
+          </a:stretch>
+        </p:blipFill>
         <p:spPr>
           <a:xfrm>
-            <a:off x="1141412" y="2595773"/>
-            <a:ext cx="9905999" cy="3541714"/>
+            <a:off x="3303198" y="2686658"/>
+            <a:ext cx="5582429" cy="2667372"/>
           </a:xfrm>
         </p:spPr>
-        <p:txBody>
-          <a:bodyPr/>
-          <a:lstStyle/>
-          <a:p>
-            <a:r>
-              <a:rPr lang="fr-CA" dirty="0" err="1"/>
-              <a:t>Redux</a:t>
-            </a:r>
-            <a:r>
-              <a:rPr lang="fr-CA" dirty="0"/>
-              <a:t> est un moyen de </a:t>
-            </a:r>
-            <a:r>
-              <a:rPr lang="fr-CA" sz="3600" dirty="0"/>
-              <a:t>partager</a:t>
-            </a:r>
-            <a:r>
-              <a:rPr lang="fr-CA" dirty="0"/>
-              <a:t> un State global à travers ton application</a:t>
-            </a:r>
-            <a:endParaRPr lang="en-US" dirty="0"/>
-          </a:p>
-        </p:txBody>
-      </p:sp>
+      </p:pic>
     </p:spTree>
     <p:extLst>
       <p:ext uri="{BB962C8B-B14F-4D97-AF65-F5344CB8AC3E}">
-        <p14:creationId xmlns:p14="http://schemas.microsoft.com/office/powerpoint/2010/main" val="4139860224"/>
+        <p14:creationId xmlns:p14="http://schemas.microsoft.com/office/powerpoint/2010/main" val="3643176742"/>
       </p:ext>
     </p:extLst>
   </p:cSld>
@@ -13080,169 +12699,7 @@
 </p:sld>
 </file>
 
-<file path=ppt/slides/slide4.xml><?xml version="1.0" encoding="utf-8"?>
-<p:sld xmlns:a="http://schemas.openxmlformats.org/drawingml/2006/main" xmlns:r="http://schemas.openxmlformats.org/officeDocument/2006/relationships" xmlns:p="http://schemas.openxmlformats.org/presentationml/2006/main">
-  <p:cSld>
-    <p:spTree>
-      <p:nvGrpSpPr>
-        <p:cNvPr id="1" name=""/>
-        <p:cNvGrpSpPr/>
-        <p:nvPr/>
-      </p:nvGrpSpPr>
-      <p:grpSpPr>
-        <a:xfrm>
-          <a:off x="0" y="0"/>
-          <a:ext cx="0" cy="0"/>
-          <a:chOff x="0" y="0"/>
-          <a:chExt cx="0" cy="0"/>
-        </a:xfrm>
-      </p:grpSpPr>
-      <p:sp>
-        <p:nvSpPr>
-          <p:cNvPr id="2" name="Title 1">
-            <a:extLst>
-              <a:ext uri="{FF2B5EF4-FFF2-40B4-BE49-F238E27FC236}">
-                <a16:creationId xmlns:a16="http://schemas.microsoft.com/office/drawing/2014/main" id="{B3B2F9A9-CFF1-4DCB-B546-C0A604FB2E23}"/>
-              </a:ext>
-            </a:extLst>
-          </p:cNvPr>
-          <p:cNvSpPr>
-            <a:spLocks noGrp="1"/>
-          </p:cNvSpPr>
-          <p:nvPr>
-            <p:ph type="title"/>
-          </p:nvPr>
-        </p:nvSpPr>
-        <p:spPr/>
-        <p:txBody>
-          <a:bodyPr/>
-          <a:lstStyle/>
-          <a:p>
-            <a:r>
-              <a:rPr lang="fr-CA" dirty="0"/>
-              <a:t>Les 4 fondamentaux </a:t>
-            </a:r>
-            <a:r>
-              <a:rPr lang="fr-CA" dirty="0" err="1"/>
-              <a:t>Redux</a:t>
-            </a:r>
-            <a:endParaRPr lang="en-US" dirty="0"/>
-          </a:p>
-        </p:txBody>
-      </p:sp>
-      <p:sp>
-        <p:nvSpPr>
-          <p:cNvPr id="3" name="Content Placeholder 2">
-            <a:extLst>
-              <a:ext uri="{FF2B5EF4-FFF2-40B4-BE49-F238E27FC236}">
-                <a16:creationId xmlns:a16="http://schemas.microsoft.com/office/drawing/2014/main" id="{CE2EF5B5-E164-4CCF-9C50-C53DE0F31A24}"/>
-              </a:ext>
-            </a:extLst>
-          </p:cNvPr>
-          <p:cNvSpPr>
-            <a:spLocks noGrp="1"/>
-          </p:cNvSpPr>
-          <p:nvPr>
-            <p:ph idx="1"/>
-          </p:nvPr>
-        </p:nvSpPr>
-        <p:spPr/>
-        <p:txBody>
-          <a:bodyPr/>
-          <a:lstStyle/>
-          <a:p>
-            <a:r>
-              <a:rPr lang="fr-CA" dirty="0"/>
-              <a:t>Store: State global de l’application (gros objet </a:t>
-            </a:r>
-            <a:r>
-              <a:rPr lang="fr-CA" dirty="0" err="1"/>
-              <a:t>json</a:t>
-            </a:r>
-            <a:r>
-              <a:rPr lang="fr-CA" dirty="0"/>
-              <a:t>)</a:t>
-            </a:r>
-          </a:p>
-          <a:p>
-            <a:r>
-              <a:rPr lang="fr-CA" dirty="0"/>
-              <a:t>Actions: Objet indiquant une intention de modifier le Store. Possède au minimum un ‘type’.</a:t>
-            </a:r>
-          </a:p>
-          <a:p>
-            <a:r>
-              <a:rPr lang="fr-CA" dirty="0" err="1"/>
-              <a:t>Reducers</a:t>
-            </a:r>
-            <a:r>
-              <a:rPr lang="fr-CA" dirty="0"/>
-              <a:t>: Réagit à une action, met à jour le store.</a:t>
-            </a:r>
-          </a:p>
-          <a:p>
-            <a:r>
-              <a:rPr lang="fr-CA" dirty="0"/>
-              <a:t>Middleware: Intercepte des actions avant qu’elles atteignent les </a:t>
-            </a:r>
-            <a:r>
-              <a:rPr lang="fr-CA" dirty="0" err="1"/>
-              <a:t>reducers</a:t>
-            </a:r>
-            <a:r>
-              <a:rPr lang="fr-CA" dirty="0"/>
-              <a:t>. Utiliser entre autre pour ‘</a:t>
-            </a:r>
-            <a:r>
-              <a:rPr lang="fr-CA" dirty="0" err="1"/>
-              <a:t>logging</a:t>
-            </a:r>
-            <a:r>
-              <a:rPr lang="fr-CA" dirty="0"/>
-              <a:t>’, ‘</a:t>
-            </a:r>
-            <a:r>
-              <a:rPr lang="fr-CA" dirty="0" err="1"/>
-              <a:t>telemetry</a:t>
-            </a:r>
-            <a:r>
-              <a:rPr lang="fr-CA" dirty="0"/>
-              <a:t>’, ‘</a:t>
-            </a:r>
-            <a:r>
-              <a:rPr lang="fr-CA" dirty="0" err="1"/>
-              <a:t>asynchronous</a:t>
-            </a:r>
-            <a:r>
-              <a:rPr lang="fr-CA" dirty="0"/>
-              <a:t> </a:t>
-            </a:r>
-            <a:r>
-              <a:rPr lang="fr-CA" dirty="0" err="1"/>
-              <a:t>request</a:t>
-            </a:r>
-            <a:r>
-              <a:rPr lang="fr-CA" dirty="0"/>
-              <a:t>’.</a:t>
-            </a:r>
-            <a:endParaRPr lang="en-US" dirty="0"/>
-          </a:p>
-        </p:txBody>
-      </p:sp>
-    </p:spTree>
-    <p:extLst>
-      <p:ext uri="{BB962C8B-B14F-4D97-AF65-F5344CB8AC3E}">
-        <p14:creationId xmlns:p14="http://schemas.microsoft.com/office/powerpoint/2010/main" val="2542009994"/>
-      </p:ext>
-    </p:extLst>
-  </p:cSld>
-  <p:clrMapOvr>
-    <a:masterClrMapping/>
-  </p:clrMapOvr>
-</p:sld>
-</file>
-
-<file path=ppt/slides/slide5.xml><?xml version="1.0" encoding="utf-8"?>
+<file path=ppt/slides/slide12.xml><?xml version="1.0" encoding="utf-8"?>
 <p:sld xmlns:a="http://schemas.openxmlformats.org/drawingml/2006/main" xmlns:r="http://schemas.openxmlformats.org/officeDocument/2006/relationships" xmlns:p="http://schemas.openxmlformats.org/presentationml/2006/main">
   <p:cSld>
     <p:bg>
@@ -13373,7 +12830,7 @@
           </a:prstGeom>
           <a:extLst>
             <a:ext uri="{909E8E84-426E-40dd-AFC4-6F175D3DCCD1}">
-              <a14:hiddenFill xmlns:a14="http://schemas.microsoft.com/office/drawing/2010/main" xmlns:p14="http://schemas.microsoft.com/office/powerpoint/2010/main" xmlns:a16="http://schemas.microsoft.com/office/drawing/2014/main" xmlns="">
+              <a14:hiddenFill xmlns="" xmlns:a16="http://schemas.microsoft.com/office/drawing/2014/main" xmlns:p14="http://schemas.microsoft.com/office/powerpoint/2010/main" xmlns:a14="http://schemas.microsoft.com/office/drawing/2010/main">
                 <a:solidFill>
                   <a:srgbClr val="FFFFFF"/>
                 </a:solidFill>
@@ -13497,7 +12954,7 @@
           <a:noFill/>
           <a:extLst>
             <a:ext uri="{909E8E84-426E-40dd-AFC4-6F175D3DCCD1}">
-              <a14:hiddenFill xmlns:a14="http://schemas.microsoft.com/office/drawing/2010/main" xmlns:p14="http://schemas.microsoft.com/office/powerpoint/2010/main" xmlns:a16="http://schemas.microsoft.com/office/drawing/2014/main" xmlns="">
+              <a14:hiddenFill xmlns="" xmlns:a16="http://schemas.microsoft.com/office/drawing/2014/main" xmlns:p14="http://schemas.microsoft.com/office/powerpoint/2010/main" xmlns:a14="http://schemas.microsoft.com/office/drawing/2010/main">
                 <a:solidFill>
                   <a:srgbClr val="FFFFFF"/>
                 </a:solidFill>
@@ -13693,7 +13150,7 @@
             </a:ln>
             <a:extLst>
               <a:ext uri="{91240B29-F687-4f45-9708-019B960494DF}">
-                <a14:hiddenLine xmlns:a14="http://schemas.microsoft.com/office/drawing/2010/main" xmlns:p14="http://schemas.microsoft.com/office/powerpoint/2010/main" xmlns:a16="http://schemas.microsoft.com/office/drawing/2014/main" xmlns="" w="9525">
+                <a14:hiddenLine xmlns="" xmlns:a16="http://schemas.microsoft.com/office/drawing/2014/main" xmlns:p14="http://schemas.microsoft.com/office/powerpoint/2010/main" xmlns:a14="http://schemas.microsoft.com/office/drawing/2010/main" w="9525">
                   <a:solidFill>
                     <a:srgbClr val="000000"/>
                   </a:solidFill>
@@ -13798,7 +13255,7 @@
             </a:ln>
             <a:extLst>
               <a:ext uri="{91240B29-F687-4f45-9708-019B960494DF}">
-                <a14:hiddenLine xmlns:a14="http://schemas.microsoft.com/office/drawing/2010/main" xmlns:p14="http://schemas.microsoft.com/office/powerpoint/2010/main" xmlns:a16="http://schemas.microsoft.com/office/drawing/2014/main" xmlns="" w="9525">
+                <a14:hiddenLine xmlns="" xmlns:a16="http://schemas.microsoft.com/office/drawing/2014/main" xmlns:p14="http://schemas.microsoft.com/office/powerpoint/2010/main" xmlns:a14="http://schemas.microsoft.com/office/drawing/2010/main" w="9525">
                   <a:solidFill>
                     <a:srgbClr val="000000"/>
                   </a:solidFill>
@@ -13903,7 +13360,7 @@
             </a:ln>
             <a:extLst>
               <a:ext uri="{91240B29-F687-4f45-9708-019B960494DF}">
-                <a14:hiddenLine xmlns:a14="http://schemas.microsoft.com/office/drawing/2010/main" xmlns:p14="http://schemas.microsoft.com/office/powerpoint/2010/main" xmlns:a16="http://schemas.microsoft.com/office/drawing/2014/main" xmlns="" w="9525">
+                <a14:hiddenLine xmlns="" xmlns:a16="http://schemas.microsoft.com/office/drawing/2014/main" xmlns:p14="http://schemas.microsoft.com/office/powerpoint/2010/main" xmlns:a14="http://schemas.microsoft.com/office/drawing/2010/main" w="9525">
                   <a:solidFill>
                     <a:srgbClr val="000000"/>
                   </a:solidFill>
@@ -13980,7 +13437,7 @@
             </a:ln>
             <a:extLst>
               <a:ext uri="{91240B29-F687-4f45-9708-019B960494DF}">
-                <a14:hiddenLine xmlns:a14="http://schemas.microsoft.com/office/drawing/2010/main" xmlns:p14="http://schemas.microsoft.com/office/powerpoint/2010/main" xmlns:a16="http://schemas.microsoft.com/office/drawing/2014/main" xmlns="" w="9525">
+                <a14:hiddenLine xmlns="" xmlns:a16="http://schemas.microsoft.com/office/drawing/2014/main" xmlns:p14="http://schemas.microsoft.com/office/powerpoint/2010/main" xmlns:a14="http://schemas.microsoft.com/office/drawing/2010/main" w="9525">
                   <a:solidFill>
                     <a:srgbClr val="000000"/>
                   </a:solidFill>
@@ -14085,7 +13542,7 @@
             </a:ln>
             <a:extLst>
               <a:ext uri="{91240B29-F687-4f45-9708-019B960494DF}">
-                <a14:hiddenLine xmlns:a14="http://schemas.microsoft.com/office/drawing/2010/main" xmlns:p14="http://schemas.microsoft.com/office/powerpoint/2010/main" xmlns:a16="http://schemas.microsoft.com/office/drawing/2014/main" xmlns="" w="9525">
+                <a14:hiddenLine xmlns="" xmlns:a16="http://schemas.microsoft.com/office/drawing/2014/main" xmlns:p14="http://schemas.microsoft.com/office/powerpoint/2010/main" xmlns:a14="http://schemas.microsoft.com/office/drawing/2010/main" w="9525">
                   <a:solidFill>
                     <a:srgbClr val="000000"/>
                   </a:solidFill>
@@ -14162,7 +13619,7 @@
             </a:ln>
             <a:extLst>
               <a:ext uri="{91240B29-F687-4f45-9708-019B960494DF}">
-                <a14:hiddenLine xmlns:a14="http://schemas.microsoft.com/office/drawing/2010/main" xmlns:p14="http://schemas.microsoft.com/office/powerpoint/2010/main" xmlns:a16="http://schemas.microsoft.com/office/drawing/2014/main" xmlns="" w="9525">
+                <a14:hiddenLine xmlns="" xmlns:a16="http://schemas.microsoft.com/office/drawing/2014/main" xmlns:p14="http://schemas.microsoft.com/office/powerpoint/2010/main" xmlns:a14="http://schemas.microsoft.com/office/drawing/2010/main" w="9525">
                   <a:solidFill>
                     <a:srgbClr val="000000"/>
                   </a:solidFill>
@@ -14239,7 +13696,7 @@
             </a:ln>
             <a:extLst>
               <a:ext uri="{91240B29-F687-4f45-9708-019B960494DF}">
-                <a14:hiddenLine xmlns:a14="http://schemas.microsoft.com/office/drawing/2010/main" xmlns:p14="http://schemas.microsoft.com/office/powerpoint/2010/main" xmlns:a16="http://schemas.microsoft.com/office/drawing/2014/main" xmlns="" w="9525">
+                <a14:hiddenLine xmlns="" xmlns:a16="http://schemas.microsoft.com/office/drawing/2014/main" xmlns:p14="http://schemas.microsoft.com/office/powerpoint/2010/main" xmlns:a14="http://schemas.microsoft.com/office/drawing/2010/main" w="9525">
                   <a:solidFill>
                     <a:srgbClr val="000000"/>
                   </a:solidFill>
@@ -14344,7 +13801,7 @@
             </a:ln>
             <a:extLst>
               <a:ext uri="{91240B29-F687-4f45-9708-019B960494DF}">
-                <a14:hiddenLine xmlns:a14="http://schemas.microsoft.com/office/drawing/2010/main" xmlns:p14="http://schemas.microsoft.com/office/powerpoint/2010/main" xmlns:a16="http://schemas.microsoft.com/office/drawing/2014/main" xmlns="" w="9525">
+                <a14:hiddenLine xmlns="" xmlns:a16="http://schemas.microsoft.com/office/drawing/2014/main" xmlns:p14="http://schemas.microsoft.com/office/powerpoint/2010/main" xmlns:a14="http://schemas.microsoft.com/office/drawing/2010/main" w="9525">
                   <a:solidFill>
                     <a:srgbClr val="000000"/>
                   </a:solidFill>
@@ -14449,7 +13906,7 @@
             </a:ln>
             <a:extLst>
               <a:ext uri="{91240B29-F687-4f45-9708-019B960494DF}">
-                <a14:hiddenLine xmlns:a14="http://schemas.microsoft.com/office/drawing/2010/main" xmlns:p14="http://schemas.microsoft.com/office/powerpoint/2010/main" xmlns:a16="http://schemas.microsoft.com/office/drawing/2014/main" xmlns="" w="9525">
+                <a14:hiddenLine xmlns="" xmlns:a16="http://schemas.microsoft.com/office/drawing/2014/main" xmlns:p14="http://schemas.microsoft.com/office/powerpoint/2010/main" xmlns:a14="http://schemas.microsoft.com/office/drawing/2010/main" w="9525">
                   <a:solidFill>
                     <a:srgbClr val="000000"/>
                   </a:solidFill>
@@ -14526,7 +13983,7 @@
             </a:ln>
             <a:extLst>
               <a:ext uri="{91240B29-F687-4f45-9708-019B960494DF}">
-                <a14:hiddenLine xmlns:a14="http://schemas.microsoft.com/office/drawing/2010/main" xmlns:p14="http://schemas.microsoft.com/office/powerpoint/2010/main" xmlns:a16="http://schemas.microsoft.com/office/drawing/2014/main" xmlns="" w="9525">
+                <a14:hiddenLine xmlns="" xmlns:a16="http://schemas.microsoft.com/office/drawing/2014/main" xmlns:p14="http://schemas.microsoft.com/office/powerpoint/2010/main" xmlns:a14="http://schemas.microsoft.com/office/drawing/2010/main" w="9525">
                   <a:solidFill>
                     <a:srgbClr val="000000"/>
                   </a:solidFill>
@@ -14651,7 +14108,7 @@
             </a:ln>
             <a:extLst>
               <a:ext uri="{91240B29-F687-4f45-9708-019B960494DF}">
-                <a14:hiddenLine xmlns:a14="http://schemas.microsoft.com/office/drawing/2010/main" xmlns:p14="http://schemas.microsoft.com/office/powerpoint/2010/main" xmlns:a16="http://schemas.microsoft.com/office/drawing/2014/main" xmlns="" w="9525">
+                <a14:hiddenLine xmlns="" xmlns:a16="http://schemas.microsoft.com/office/drawing/2014/main" xmlns:p14="http://schemas.microsoft.com/office/powerpoint/2010/main" xmlns:a14="http://schemas.microsoft.com/office/drawing/2010/main" w="9525">
                   <a:solidFill>
                     <a:srgbClr val="000000"/>
                   </a:solidFill>
@@ -14765,7 +14222,7 @@
             </a:ln>
             <a:extLst>
               <a:ext uri="{91240B29-F687-4f45-9708-019B960494DF}">
-                <a14:hiddenLine xmlns:a14="http://schemas.microsoft.com/office/drawing/2010/main" xmlns:p14="http://schemas.microsoft.com/office/powerpoint/2010/main" xmlns:a16="http://schemas.microsoft.com/office/drawing/2014/main" xmlns="" w="9525">
+                <a14:hiddenLine xmlns="" xmlns:a16="http://schemas.microsoft.com/office/drawing/2014/main" xmlns:p14="http://schemas.microsoft.com/office/powerpoint/2010/main" xmlns:a14="http://schemas.microsoft.com/office/drawing/2010/main" w="9525">
                   <a:solidFill>
                     <a:srgbClr val="000000"/>
                   </a:solidFill>
@@ -14842,7 +14299,7 @@
             </a:ln>
             <a:extLst>
               <a:ext uri="{91240B29-F687-4f45-9708-019B960494DF}">
-                <a14:hiddenLine xmlns:a14="http://schemas.microsoft.com/office/drawing/2010/main" xmlns:p14="http://schemas.microsoft.com/office/powerpoint/2010/main" xmlns:a16="http://schemas.microsoft.com/office/drawing/2014/main" xmlns="" w="9525">
+                <a14:hiddenLine xmlns="" xmlns:a16="http://schemas.microsoft.com/office/drawing/2014/main" xmlns:p14="http://schemas.microsoft.com/office/powerpoint/2010/main" xmlns:a14="http://schemas.microsoft.com/office/drawing/2010/main" w="9525">
                   <a:solidFill>
                     <a:srgbClr val="000000"/>
                   </a:solidFill>
@@ -14919,7 +14376,7 @@
             </a:ln>
             <a:extLst>
               <a:ext uri="{91240B29-F687-4f45-9708-019B960494DF}">
-                <a14:hiddenLine xmlns:a14="http://schemas.microsoft.com/office/drawing/2010/main" xmlns:p14="http://schemas.microsoft.com/office/powerpoint/2010/main" xmlns:a16="http://schemas.microsoft.com/office/drawing/2014/main" xmlns="" w="9525">
+                <a14:hiddenLine xmlns="" xmlns:a16="http://schemas.microsoft.com/office/drawing/2014/main" xmlns:p14="http://schemas.microsoft.com/office/powerpoint/2010/main" xmlns:a14="http://schemas.microsoft.com/office/drawing/2010/main" w="9525">
                   <a:solidFill>
                     <a:srgbClr val="000000"/>
                   </a:solidFill>
@@ -15024,7 +14481,7 @@
             </a:ln>
             <a:extLst>
               <a:ext uri="{91240B29-F687-4f45-9708-019B960494DF}">
-                <a14:hiddenLine xmlns:a14="http://schemas.microsoft.com/office/drawing/2010/main" xmlns:p14="http://schemas.microsoft.com/office/powerpoint/2010/main" xmlns:a16="http://schemas.microsoft.com/office/drawing/2014/main" xmlns="" w="9525">
+                <a14:hiddenLine xmlns="" xmlns:a16="http://schemas.microsoft.com/office/drawing/2014/main" xmlns:p14="http://schemas.microsoft.com/office/powerpoint/2010/main" xmlns:a14="http://schemas.microsoft.com/office/drawing/2010/main" w="9525">
                   <a:solidFill>
                     <a:srgbClr val="000000"/>
                   </a:solidFill>
@@ -15073,7 +14530,7 @@
             </a:ln>
             <a:extLst>
               <a:ext uri="{91240B29-F687-4f45-9708-019B960494DF}">
-                <a14:hiddenLine xmlns:a14="http://schemas.microsoft.com/office/drawing/2010/main" xmlns:p14="http://schemas.microsoft.com/office/powerpoint/2010/main" xmlns:a16="http://schemas.microsoft.com/office/drawing/2014/main" xmlns="" w="9525">
+                <a14:hiddenLine xmlns="" xmlns:a16="http://schemas.microsoft.com/office/drawing/2014/main" xmlns:p14="http://schemas.microsoft.com/office/powerpoint/2010/main" xmlns:a14="http://schemas.microsoft.com/office/drawing/2010/main" w="9525">
                   <a:solidFill>
                     <a:srgbClr val="000000"/>
                   </a:solidFill>
@@ -15153,7 +14610,7 @@
             </a:ln>
             <a:extLst>
               <a:ext uri="{91240B29-F687-4f45-9708-019B960494DF}">
-                <a14:hiddenLine xmlns:a14="http://schemas.microsoft.com/office/drawing/2010/main" xmlns:p14="http://schemas.microsoft.com/office/powerpoint/2010/main" xmlns:a16="http://schemas.microsoft.com/office/drawing/2014/main" xmlns="" w="9525">
+                <a14:hiddenLine xmlns="" xmlns:a16="http://schemas.microsoft.com/office/drawing/2014/main" xmlns:p14="http://schemas.microsoft.com/office/powerpoint/2010/main" xmlns:a14="http://schemas.microsoft.com/office/drawing/2010/main" w="9525">
                   <a:solidFill>
                     <a:srgbClr val="000000"/>
                   </a:solidFill>
@@ -15258,7 +14715,7 @@
             </a:ln>
             <a:extLst>
               <a:ext uri="{91240B29-F687-4f45-9708-019B960494DF}">
-                <a14:hiddenLine xmlns:a14="http://schemas.microsoft.com/office/drawing/2010/main" xmlns:p14="http://schemas.microsoft.com/office/powerpoint/2010/main" xmlns:a16="http://schemas.microsoft.com/office/drawing/2014/main" xmlns="" w="9525">
+                <a14:hiddenLine xmlns="" xmlns:a16="http://schemas.microsoft.com/office/drawing/2014/main" xmlns:p14="http://schemas.microsoft.com/office/powerpoint/2010/main" xmlns:a14="http://schemas.microsoft.com/office/drawing/2010/main" w="9525">
                   <a:solidFill>
                     <a:srgbClr val="000000"/>
                   </a:solidFill>
@@ -15335,7 +14792,7 @@
             </a:ln>
             <a:extLst>
               <a:ext uri="{91240B29-F687-4f45-9708-019B960494DF}">
-                <a14:hiddenLine xmlns:a14="http://schemas.microsoft.com/office/drawing/2010/main" xmlns:p14="http://schemas.microsoft.com/office/powerpoint/2010/main" xmlns:a16="http://schemas.microsoft.com/office/drawing/2014/main" xmlns="" w="9525">
+                <a14:hiddenLine xmlns="" xmlns:a16="http://schemas.microsoft.com/office/drawing/2014/main" xmlns:p14="http://schemas.microsoft.com/office/powerpoint/2010/main" xmlns:a14="http://schemas.microsoft.com/office/drawing/2010/main" w="9525">
                   <a:solidFill>
                     <a:srgbClr val="000000"/>
                   </a:solidFill>
@@ -15440,7 +14897,7 @@
             </a:ln>
             <a:extLst>
               <a:ext uri="{91240B29-F687-4f45-9708-019B960494DF}">
-                <a14:hiddenLine xmlns:a14="http://schemas.microsoft.com/office/drawing/2010/main" xmlns:p14="http://schemas.microsoft.com/office/powerpoint/2010/main" xmlns:a16="http://schemas.microsoft.com/office/drawing/2014/main" xmlns="" w="9525">
+                <a14:hiddenLine xmlns="" xmlns:a16="http://schemas.microsoft.com/office/drawing/2014/main" xmlns:p14="http://schemas.microsoft.com/office/powerpoint/2010/main" xmlns:a14="http://schemas.microsoft.com/office/drawing/2010/main" w="9525">
                   <a:solidFill>
                     <a:srgbClr val="000000"/>
                   </a:solidFill>
@@ -15520,7 +14977,7 @@
             </a:ln>
             <a:extLst>
               <a:ext uri="{91240B29-F687-4f45-9708-019B960494DF}">
-                <a14:hiddenLine xmlns:a14="http://schemas.microsoft.com/office/drawing/2010/main" xmlns:p14="http://schemas.microsoft.com/office/powerpoint/2010/main" xmlns:a16="http://schemas.microsoft.com/office/drawing/2014/main" xmlns="" w="9525">
+                <a14:hiddenLine xmlns="" xmlns:a16="http://schemas.microsoft.com/office/drawing/2014/main" xmlns:p14="http://schemas.microsoft.com/office/powerpoint/2010/main" xmlns:a14="http://schemas.microsoft.com/office/drawing/2010/main" w="9525">
                   <a:solidFill>
                     <a:srgbClr val="000000"/>
                   </a:solidFill>
@@ -15597,7 +15054,7 @@
             </a:ln>
             <a:extLst>
               <a:ext uri="{91240B29-F687-4f45-9708-019B960494DF}">
-                <a14:hiddenLine xmlns:a14="http://schemas.microsoft.com/office/drawing/2010/main" xmlns:p14="http://schemas.microsoft.com/office/powerpoint/2010/main" xmlns:a16="http://schemas.microsoft.com/office/drawing/2014/main" xmlns="" w="9525">
+                <a14:hiddenLine xmlns="" xmlns:a16="http://schemas.microsoft.com/office/drawing/2014/main" xmlns:p14="http://schemas.microsoft.com/office/powerpoint/2010/main" xmlns:a14="http://schemas.microsoft.com/office/drawing/2010/main" w="9525">
                   <a:solidFill>
                     <a:srgbClr val="000000"/>
                   </a:solidFill>
@@ -15702,7 +15159,7 @@
             </a:ln>
             <a:extLst>
               <a:ext uri="{91240B29-F687-4f45-9708-019B960494DF}">
-                <a14:hiddenLine xmlns:a14="http://schemas.microsoft.com/office/drawing/2010/main" xmlns:p14="http://schemas.microsoft.com/office/powerpoint/2010/main" xmlns:a16="http://schemas.microsoft.com/office/drawing/2014/main" xmlns="" w="9525">
+                <a14:hiddenLine xmlns="" xmlns:a16="http://schemas.microsoft.com/office/drawing/2014/main" xmlns:p14="http://schemas.microsoft.com/office/powerpoint/2010/main" xmlns:a14="http://schemas.microsoft.com/office/drawing/2010/main" w="9525">
                   <a:solidFill>
                     <a:srgbClr val="000000"/>
                   </a:solidFill>
@@ -15807,7 +15264,7 @@
             </a:ln>
             <a:extLst>
               <a:ext uri="{91240B29-F687-4f45-9708-019B960494DF}">
-                <a14:hiddenLine xmlns:a14="http://schemas.microsoft.com/office/drawing/2010/main" xmlns:p14="http://schemas.microsoft.com/office/powerpoint/2010/main" xmlns:a16="http://schemas.microsoft.com/office/drawing/2014/main" xmlns="" w="9525">
+                <a14:hiddenLine xmlns="" xmlns:a16="http://schemas.microsoft.com/office/drawing/2014/main" xmlns:p14="http://schemas.microsoft.com/office/powerpoint/2010/main" xmlns:a14="http://schemas.microsoft.com/office/drawing/2010/main" w="9525">
                   <a:solidFill>
                     <a:srgbClr val="000000"/>
                   </a:solidFill>
@@ -15887,7 +15344,7 @@
             </a:ln>
             <a:extLst>
               <a:ext uri="{91240B29-F687-4f45-9708-019B960494DF}">
-                <a14:hiddenLine xmlns:a14="http://schemas.microsoft.com/office/drawing/2010/main" xmlns:p14="http://schemas.microsoft.com/office/powerpoint/2010/main" xmlns:a16="http://schemas.microsoft.com/office/drawing/2014/main" xmlns="" w="9525">
+                <a14:hiddenLine xmlns="" xmlns:a16="http://schemas.microsoft.com/office/drawing/2014/main" xmlns:p14="http://schemas.microsoft.com/office/powerpoint/2010/main" xmlns:a14="http://schemas.microsoft.com/office/drawing/2010/main" w="9525">
                   <a:solidFill>
                     <a:srgbClr val="000000"/>
                   </a:solidFill>
@@ -16022,7 +15479,7 @@
             </a:ln>
             <a:extLst>
               <a:ext uri="{91240B29-F687-4f45-9708-019B960494DF}">
-                <a14:hiddenLine xmlns:a14="http://schemas.microsoft.com/office/drawing/2010/main" xmlns:p14="http://schemas.microsoft.com/office/powerpoint/2010/main" xmlns:a16="http://schemas.microsoft.com/office/drawing/2014/main" xmlns="" w="9525">
+                <a14:hiddenLine xmlns="" xmlns:a16="http://schemas.microsoft.com/office/drawing/2014/main" xmlns:p14="http://schemas.microsoft.com/office/powerpoint/2010/main" xmlns:a14="http://schemas.microsoft.com/office/drawing/2010/main" w="9525">
                   <a:solidFill>
                     <a:srgbClr val="000000"/>
                   </a:solidFill>
@@ -16095,7 +15552,7 @@
 </p:sld>
 </file>
 
-<file path=ppt/slides/slide6.xml><?xml version="1.0" encoding="utf-8"?>
+<file path=ppt/slides/slide13.xml><?xml version="1.0" encoding="utf-8"?>
 <p:sld xmlns:a="http://schemas.openxmlformats.org/drawingml/2006/main" xmlns:r="http://schemas.openxmlformats.org/officeDocument/2006/relationships" xmlns:p="http://schemas.openxmlformats.org/presentationml/2006/main">
   <p:cSld>
     <p:spTree>
@@ -16170,7 +15627,7 @@
 </p:sld>
 </file>
 
-<file path=ppt/slides/slide7.xml><?xml version="1.0" encoding="utf-8"?>
+<file path=ppt/slides/slide14.xml><?xml version="1.0" encoding="utf-8"?>
 <p:sld xmlns:a="http://schemas.openxmlformats.org/drawingml/2006/main" xmlns:r="http://schemas.openxmlformats.org/officeDocument/2006/relationships" xmlns:p="http://schemas.openxmlformats.org/presentationml/2006/main">
   <p:cSld>
     <p:spTree>
@@ -16245,6 +15702,1110 @@
     <p:extLst>
       <p:ext uri="{BB962C8B-B14F-4D97-AF65-F5344CB8AC3E}">
         <p14:creationId xmlns:p14="http://schemas.microsoft.com/office/powerpoint/2010/main" val="2207370540"/>
+      </p:ext>
+    </p:extLst>
+  </p:cSld>
+  <p:clrMapOvr>
+    <a:masterClrMapping/>
+  </p:clrMapOvr>
+</p:sld>
+</file>
+
+<file path=ppt/slides/slide2.xml><?xml version="1.0" encoding="utf-8"?>
+<p:sld xmlns:a="http://schemas.openxmlformats.org/drawingml/2006/main" xmlns:r="http://schemas.openxmlformats.org/officeDocument/2006/relationships" xmlns:p="http://schemas.openxmlformats.org/presentationml/2006/main">
+  <p:cSld>
+    <p:spTree>
+      <p:nvGrpSpPr>
+        <p:cNvPr id="1" name=""/>
+        <p:cNvGrpSpPr/>
+        <p:nvPr/>
+      </p:nvGrpSpPr>
+      <p:grpSpPr>
+        <a:xfrm>
+          <a:off x="0" y="0"/>
+          <a:ext cx="0" cy="0"/>
+          <a:chOff x="0" y="0"/>
+          <a:chExt cx="0" cy="0"/>
+        </a:xfrm>
+      </p:grpSpPr>
+      <p:sp>
+        <p:nvSpPr>
+          <p:cNvPr id="2" name="Title 1">
+            <a:extLst>
+              <a:ext uri="{FF2B5EF4-FFF2-40B4-BE49-F238E27FC236}">
+                <a16:creationId xmlns:a16="http://schemas.microsoft.com/office/drawing/2014/main" id="{49F844AD-309A-469E-9534-721C996E8663}"/>
+              </a:ext>
+            </a:extLst>
+          </p:cNvPr>
+          <p:cNvSpPr>
+            <a:spLocks noGrp="1"/>
+          </p:cNvSpPr>
+          <p:nvPr>
+            <p:ph type="title"/>
+          </p:nvPr>
+        </p:nvSpPr>
+        <p:spPr/>
+        <p:txBody>
+          <a:bodyPr/>
+          <a:lstStyle/>
+          <a:p>
+            <a:r>
+              <a:rPr lang="en-CA" dirty="0"/>
+              <a:t>Le plan</a:t>
+            </a:r>
+          </a:p>
+        </p:txBody>
+      </p:sp>
+      <p:sp>
+        <p:nvSpPr>
+          <p:cNvPr id="3" name="Content Placeholder 2">
+            <a:extLst>
+              <a:ext uri="{FF2B5EF4-FFF2-40B4-BE49-F238E27FC236}">
+                <a16:creationId xmlns:a16="http://schemas.microsoft.com/office/drawing/2014/main" id="{2041C96E-A2B6-455A-AF55-76CB8C453295}"/>
+              </a:ext>
+            </a:extLst>
+          </p:cNvPr>
+          <p:cNvSpPr>
+            <a:spLocks noGrp="1"/>
+          </p:cNvSpPr>
+          <p:nvPr>
+            <p:ph idx="1"/>
+          </p:nvPr>
+        </p:nvSpPr>
+        <p:spPr/>
+        <p:txBody>
+          <a:bodyPr/>
+          <a:lstStyle/>
+          <a:p>
+            <a:r>
+              <a:rPr lang="en-CA" dirty="0" err="1"/>
+              <a:t>Fondamentaux</a:t>
+            </a:r>
+            <a:r>
+              <a:rPr lang="en-CA" dirty="0"/>
+              <a:t> Redux</a:t>
+            </a:r>
+          </a:p>
+          <a:p>
+            <a:r>
+              <a:rPr lang="en-CA" dirty="0"/>
+              <a:t>React + Redux</a:t>
+            </a:r>
+          </a:p>
+          <a:p>
+            <a:r>
+              <a:rPr lang="en-CA" dirty="0"/>
+              <a:t>Messaging Patterns</a:t>
+            </a:r>
+          </a:p>
+          <a:p>
+            <a:r>
+              <a:rPr lang="en-CA" dirty="0"/>
+              <a:t>Performance</a:t>
+            </a:r>
+          </a:p>
+        </p:txBody>
+      </p:sp>
+    </p:spTree>
+    <p:extLst>
+      <p:ext uri="{BB962C8B-B14F-4D97-AF65-F5344CB8AC3E}">
+        <p14:creationId xmlns:p14="http://schemas.microsoft.com/office/powerpoint/2010/main" val="2117717876"/>
+      </p:ext>
+    </p:extLst>
+  </p:cSld>
+  <p:clrMapOvr>
+    <a:masterClrMapping/>
+  </p:clrMapOvr>
+</p:sld>
+</file>
+
+<file path=ppt/slides/slide3.xml><?xml version="1.0" encoding="utf-8"?>
+<p:sld xmlns:a="http://schemas.openxmlformats.org/drawingml/2006/main" xmlns:r="http://schemas.openxmlformats.org/officeDocument/2006/relationships" xmlns:p="http://schemas.openxmlformats.org/presentationml/2006/main">
+  <p:cSld>
+    <p:spTree>
+      <p:nvGrpSpPr>
+        <p:cNvPr id="1" name=""/>
+        <p:cNvGrpSpPr/>
+        <p:nvPr/>
+      </p:nvGrpSpPr>
+      <p:grpSpPr>
+        <a:xfrm>
+          <a:off x="0" y="0"/>
+          <a:ext cx="0" cy="0"/>
+          <a:chOff x="0" y="0"/>
+          <a:chExt cx="0" cy="0"/>
+        </a:xfrm>
+      </p:grpSpPr>
+      <p:sp>
+        <p:nvSpPr>
+          <p:cNvPr id="2" name="Title 1">
+            <a:extLst>
+              <a:ext uri="{FF2B5EF4-FFF2-40B4-BE49-F238E27FC236}">
+                <a16:creationId xmlns:a16="http://schemas.microsoft.com/office/drawing/2014/main" id="{A164C400-1667-431F-A4E1-4697EA8CE86C}"/>
+              </a:ext>
+            </a:extLst>
+          </p:cNvPr>
+          <p:cNvSpPr>
+            <a:spLocks noGrp="1"/>
+          </p:cNvSpPr>
+          <p:nvPr>
+            <p:ph type="title"/>
+          </p:nvPr>
+        </p:nvSpPr>
+        <p:spPr/>
+        <p:txBody>
+          <a:bodyPr/>
+          <a:lstStyle/>
+          <a:p>
+            <a:r>
+              <a:rPr lang="en-CA" dirty="0" err="1"/>
+              <a:t>Fondamentaux</a:t>
+            </a:r>
+            <a:endParaRPr lang="en-CA" dirty="0"/>
+          </a:p>
+        </p:txBody>
+      </p:sp>
+      <p:sp>
+        <p:nvSpPr>
+          <p:cNvPr id="3" name="Text Placeholder 2">
+            <a:extLst>
+              <a:ext uri="{FF2B5EF4-FFF2-40B4-BE49-F238E27FC236}">
+                <a16:creationId xmlns:a16="http://schemas.microsoft.com/office/drawing/2014/main" id="{B59DCE98-2C81-4E27-B934-A30E227CA929}"/>
+              </a:ext>
+            </a:extLst>
+          </p:cNvPr>
+          <p:cNvSpPr>
+            <a:spLocks noGrp="1"/>
+          </p:cNvSpPr>
+          <p:nvPr>
+            <p:ph type="body" idx="1"/>
+          </p:nvPr>
+        </p:nvSpPr>
+        <p:spPr/>
+        <p:txBody>
+          <a:bodyPr/>
+          <a:lstStyle/>
+          <a:p>
+            <a:endParaRPr lang="en-CA"/>
+          </a:p>
+        </p:txBody>
+      </p:sp>
+    </p:spTree>
+    <p:extLst>
+      <p:ext uri="{BB962C8B-B14F-4D97-AF65-F5344CB8AC3E}">
+        <p14:creationId xmlns:p14="http://schemas.microsoft.com/office/powerpoint/2010/main" val="1216588332"/>
+      </p:ext>
+    </p:extLst>
+  </p:cSld>
+  <p:clrMapOvr>
+    <a:masterClrMapping/>
+  </p:clrMapOvr>
+</p:sld>
+</file>
+
+<file path=ppt/slides/slide4.xml><?xml version="1.0" encoding="utf-8"?>
+<p:sld xmlns:a="http://schemas.openxmlformats.org/drawingml/2006/main" xmlns:r="http://schemas.openxmlformats.org/officeDocument/2006/relationships" xmlns:p="http://schemas.openxmlformats.org/presentationml/2006/main">
+  <p:cSld>
+    <p:spTree>
+      <p:nvGrpSpPr>
+        <p:cNvPr id="1" name=""/>
+        <p:cNvGrpSpPr/>
+        <p:nvPr/>
+      </p:nvGrpSpPr>
+      <p:grpSpPr>
+        <a:xfrm>
+          <a:off x="0" y="0"/>
+          <a:ext cx="0" cy="0"/>
+          <a:chOff x="0" y="0"/>
+          <a:chExt cx="0" cy="0"/>
+        </a:xfrm>
+      </p:grpSpPr>
+      <p:sp>
+        <p:nvSpPr>
+          <p:cNvPr id="2" name="Title 1">
+            <a:extLst>
+              <a:ext uri="{FF2B5EF4-FFF2-40B4-BE49-F238E27FC236}">
+                <a16:creationId xmlns:a16="http://schemas.microsoft.com/office/drawing/2014/main" id="{FC78C99A-D30F-4194-A6F5-89519B6FA908}"/>
+              </a:ext>
+            </a:extLst>
+          </p:cNvPr>
+          <p:cNvSpPr>
+            <a:spLocks noGrp="1"/>
+          </p:cNvSpPr>
+          <p:nvPr>
+            <p:ph type="title"/>
+          </p:nvPr>
+        </p:nvSpPr>
+        <p:spPr/>
+        <p:txBody>
+          <a:bodyPr/>
+          <a:lstStyle/>
+          <a:p>
+            <a:r>
+              <a:rPr lang="en-CA" dirty="0" err="1"/>
+              <a:t>Définition</a:t>
+            </a:r>
+            <a:endParaRPr lang="en-CA" dirty="0"/>
+          </a:p>
+        </p:txBody>
+      </p:sp>
+      <p:sp>
+        <p:nvSpPr>
+          <p:cNvPr id="3" name="Text Placeholder 2">
+            <a:extLst>
+              <a:ext uri="{FF2B5EF4-FFF2-40B4-BE49-F238E27FC236}">
+                <a16:creationId xmlns:a16="http://schemas.microsoft.com/office/drawing/2014/main" id="{7D66E554-6C25-414D-91FF-C872AB05BF37}"/>
+              </a:ext>
+            </a:extLst>
+          </p:cNvPr>
+          <p:cNvSpPr>
+            <a:spLocks noGrp="1"/>
+          </p:cNvSpPr>
+          <p:nvPr>
+            <p:ph type="body" idx="1"/>
+          </p:nvPr>
+        </p:nvSpPr>
+        <p:spPr/>
+        <p:txBody>
+          <a:bodyPr/>
+          <a:lstStyle/>
+          <a:p>
+            <a:r>
+              <a:rPr lang="en-CA" dirty="0" err="1"/>
+              <a:t>Officielle</a:t>
+            </a:r>
+            <a:endParaRPr lang="en-CA" dirty="0"/>
+          </a:p>
+        </p:txBody>
+      </p:sp>
+      <p:sp>
+        <p:nvSpPr>
+          <p:cNvPr id="4" name="Content Placeholder 3">
+            <a:extLst>
+              <a:ext uri="{FF2B5EF4-FFF2-40B4-BE49-F238E27FC236}">
+                <a16:creationId xmlns:a16="http://schemas.microsoft.com/office/drawing/2014/main" id="{A7D2423C-8707-4B04-A7DF-C3131CF82C5B}"/>
+              </a:ext>
+            </a:extLst>
+          </p:cNvPr>
+          <p:cNvSpPr>
+            <a:spLocks noGrp="1"/>
+          </p:cNvSpPr>
+          <p:nvPr>
+            <p:ph sz="half" idx="2"/>
+          </p:nvPr>
+        </p:nvSpPr>
+        <p:spPr/>
+        <p:txBody>
+          <a:bodyPr/>
+          <a:lstStyle/>
+          <a:p>
+            <a:r>
+              <a:rPr lang="en-CA" dirty="0"/>
+              <a:t>Redux is a predictable (immutable) state container for JavaScript apps.</a:t>
+            </a:r>
+          </a:p>
+          <a:p>
+            <a:endParaRPr lang="en-CA" dirty="0"/>
+          </a:p>
+        </p:txBody>
+      </p:sp>
+      <p:sp>
+        <p:nvSpPr>
+          <p:cNvPr id="5" name="Text Placeholder 4">
+            <a:extLst>
+              <a:ext uri="{FF2B5EF4-FFF2-40B4-BE49-F238E27FC236}">
+                <a16:creationId xmlns:a16="http://schemas.microsoft.com/office/drawing/2014/main" id="{2E35855E-3230-4CA8-BB8C-74AAB5D0EB54}"/>
+              </a:ext>
+            </a:extLst>
+          </p:cNvPr>
+          <p:cNvSpPr>
+            <a:spLocks noGrp="1"/>
+          </p:cNvSpPr>
+          <p:nvPr>
+            <p:ph type="body" sz="quarter" idx="3"/>
+          </p:nvPr>
+        </p:nvSpPr>
+        <p:spPr/>
+        <p:txBody>
+          <a:bodyPr/>
+          <a:lstStyle/>
+          <a:p>
+            <a:r>
+              <a:rPr lang="en-CA" dirty="0"/>
+              <a:t>Plus simple</a:t>
+            </a:r>
+          </a:p>
+        </p:txBody>
+      </p:sp>
+      <p:sp>
+        <p:nvSpPr>
+          <p:cNvPr id="6" name="Content Placeholder 5">
+            <a:extLst>
+              <a:ext uri="{FF2B5EF4-FFF2-40B4-BE49-F238E27FC236}">
+                <a16:creationId xmlns:a16="http://schemas.microsoft.com/office/drawing/2014/main" id="{432D45AB-E624-40A8-ABBC-8A6D4486E468}"/>
+              </a:ext>
+            </a:extLst>
+          </p:cNvPr>
+          <p:cNvSpPr>
+            <a:spLocks noGrp="1"/>
+          </p:cNvSpPr>
+          <p:nvPr>
+            <p:ph sz="quarter" idx="4"/>
+          </p:nvPr>
+        </p:nvSpPr>
+        <p:spPr/>
+        <p:txBody>
+          <a:bodyPr/>
+          <a:lstStyle/>
+          <a:p>
+            <a:r>
+              <a:rPr lang="fr-CA" dirty="0" err="1"/>
+              <a:t>Redux</a:t>
+            </a:r>
+            <a:r>
+              <a:rPr lang="fr-CA" dirty="0"/>
+              <a:t> est un moyen de </a:t>
+            </a:r>
+            <a:r>
+              <a:rPr lang="fr-CA" sz="3600" dirty="0"/>
+              <a:t>partager</a:t>
+            </a:r>
+            <a:r>
+              <a:rPr lang="fr-CA" dirty="0"/>
+              <a:t> un State global à travers ton application.</a:t>
+            </a:r>
+            <a:endParaRPr lang="en-US" dirty="0"/>
+          </a:p>
+          <a:p>
+            <a:endParaRPr lang="en-CA" dirty="0"/>
+          </a:p>
+        </p:txBody>
+      </p:sp>
+    </p:spTree>
+    <p:extLst>
+      <p:ext uri="{BB962C8B-B14F-4D97-AF65-F5344CB8AC3E}">
+        <p14:creationId xmlns:p14="http://schemas.microsoft.com/office/powerpoint/2010/main" val="1141690445"/>
+      </p:ext>
+    </p:extLst>
+  </p:cSld>
+  <p:clrMapOvr>
+    <a:masterClrMapping/>
+  </p:clrMapOvr>
+</p:sld>
+</file>
+
+<file path=ppt/slides/slide5.xml><?xml version="1.0" encoding="utf-8"?>
+<p:sld xmlns:a="http://schemas.openxmlformats.org/drawingml/2006/main" xmlns:r="http://schemas.openxmlformats.org/officeDocument/2006/relationships" xmlns:p="http://schemas.openxmlformats.org/presentationml/2006/main">
+  <p:cSld>
+    <p:spTree>
+      <p:nvGrpSpPr>
+        <p:cNvPr id="1" name=""/>
+        <p:cNvGrpSpPr/>
+        <p:nvPr/>
+      </p:nvGrpSpPr>
+      <p:grpSpPr>
+        <a:xfrm>
+          <a:off x="0" y="0"/>
+          <a:ext cx="0" cy="0"/>
+          <a:chOff x="0" y="0"/>
+          <a:chExt cx="0" cy="0"/>
+        </a:xfrm>
+      </p:grpSpPr>
+      <p:sp>
+        <p:nvSpPr>
+          <p:cNvPr id="2" name="Title 1">
+            <a:extLst>
+              <a:ext uri="{FF2B5EF4-FFF2-40B4-BE49-F238E27FC236}">
+                <a16:creationId xmlns:a16="http://schemas.microsoft.com/office/drawing/2014/main" id="{3063A2C8-F52E-4D77-9913-62DB1D644D8D}"/>
+              </a:ext>
+            </a:extLst>
+          </p:cNvPr>
+          <p:cNvSpPr>
+            <a:spLocks noGrp="1"/>
+          </p:cNvSpPr>
+          <p:nvPr>
+            <p:ph type="title"/>
+          </p:nvPr>
+        </p:nvSpPr>
+        <p:spPr/>
+        <p:txBody>
+          <a:bodyPr/>
+          <a:lstStyle/>
+          <a:p>
+            <a:r>
+              <a:rPr lang="en-CA" dirty="0" err="1"/>
+              <a:t>Pourquoi</a:t>
+            </a:r>
+            <a:r>
+              <a:rPr lang="en-CA" dirty="0"/>
+              <a:t> redux?</a:t>
+            </a:r>
+          </a:p>
+        </p:txBody>
+      </p:sp>
+      <p:sp>
+        <p:nvSpPr>
+          <p:cNvPr id="3" name="Content Placeholder 2">
+            <a:extLst>
+              <a:ext uri="{FF2B5EF4-FFF2-40B4-BE49-F238E27FC236}">
+                <a16:creationId xmlns:a16="http://schemas.microsoft.com/office/drawing/2014/main" id="{DE123F99-A055-4D4D-AAFE-347373207D57}"/>
+              </a:ext>
+            </a:extLst>
+          </p:cNvPr>
+          <p:cNvSpPr>
+            <a:spLocks noGrp="1"/>
+          </p:cNvSpPr>
+          <p:nvPr>
+            <p:ph idx="1"/>
+          </p:nvPr>
+        </p:nvSpPr>
+        <p:spPr/>
+        <p:txBody>
+          <a:bodyPr/>
+          <a:lstStyle/>
+          <a:p>
+            <a:r>
+              <a:rPr lang="en-CA" dirty="0"/>
+              <a:t>State </a:t>
+            </a:r>
+            <a:r>
+              <a:rPr lang="en-CA" dirty="0" err="1"/>
+              <a:t>Centralisé</a:t>
+            </a:r>
+            <a:endParaRPr lang="en-CA" dirty="0"/>
+          </a:p>
+          <a:p>
+            <a:r>
+              <a:rPr lang="en-CA" dirty="0"/>
+              <a:t>State </a:t>
+            </a:r>
+            <a:r>
+              <a:rPr lang="en-CA" dirty="0" err="1"/>
+              <a:t>Prédictible</a:t>
+            </a:r>
+            <a:r>
+              <a:rPr lang="en-CA" dirty="0"/>
+              <a:t> (state immutable, reducers pure)</a:t>
+            </a:r>
+          </a:p>
+          <a:p>
+            <a:r>
+              <a:rPr lang="en-CA" dirty="0"/>
+              <a:t>Debugging (time travel, </a:t>
+            </a:r>
+            <a:r>
+              <a:rPr lang="en-CA" dirty="0" err="1"/>
+              <a:t>reproduit</a:t>
+            </a:r>
+            <a:r>
+              <a:rPr lang="en-CA" dirty="0"/>
+              <a:t> </a:t>
+            </a:r>
+            <a:r>
+              <a:rPr lang="en-CA" dirty="0" err="1"/>
+              <a:t>facilement</a:t>
+            </a:r>
+            <a:r>
+              <a:rPr lang="en-CA" dirty="0"/>
+              <a:t> un </a:t>
+            </a:r>
+            <a:r>
+              <a:rPr lang="en-CA" dirty="0" err="1"/>
+              <a:t>état</a:t>
+            </a:r>
+            <a:r>
+              <a:rPr lang="en-CA" dirty="0"/>
+              <a:t>, journal)</a:t>
+            </a:r>
+          </a:p>
+          <a:p>
+            <a:r>
+              <a:rPr lang="en-CA" dirty="0"/>
+              <a:t>Event Sourcing</a:t>
+            </a:r>
+          </a:p>
+          <a:p>
+            <a:endParaRPr lang="en-CA" dirty="0"/>
+          </a:p>
+          <a:p>
+            <a:endParaRPr lang="en-CA" dirty="0"/>
+          </a:p>
+        </p:txBody>
+      </p:sp>
+    </p:spTree>
+    <p:extLst>
+      <p:ext uri="{BB962C8B-B14F-4D97-AF65-F5344CB8AC3E}">
+        <p14:creationId xmlns:p14="http://schemas.microsoft.com/office/powerpoint/2010/main" val="2327476897"/>
+      </p:ext>
+    </p:extLst>
+  </p:cSld>
+  <p:clrMapOvr>
+    <a:masterClrMapping/>
+  </p:clrMapOvr>
+</p:sld>
+</file>
+
+<file path=ppt/slides/slide6.xml><?xml version="1.0" encoding="utf-8"?>
+<p:sld xmlns:a="http://schemas.openxmlformats.org/drawingml/2006/main" xmlns:r="http://schemas.openxmlformats.org/officeDocument/2006/relationships" xmlns:p="http://schemas.openxmlformats.org/presentationml/2006/main">
+  <p:cSld>
+    <p:spTree>
+      <p:nvGrpSpPr>
+        <p:cNvPr id="1" name=""/>
+        <p:cNvGrpSpPr/>
+        <p:nvPr/>
+      </p:nvGrpSpPr>
+      <p:grpSpPr>
+        <a:xfrm>
+          <a:off x="0" y="0"/>
+          <a:ext cx="0" cy="0"/>
+          <a:chOff x="0" y="0"/>
+          <a:chExt cx="0" cy="0"/>
+        </a:xfrm>
+      </p:grpSpPr>
+      <p:sp>
+        <p:nvSpPr>
+          <p:cNvPr id="2" name="Title 1">
+            <a:extLst>
+              <a:ext uri="{FF2B5EF4-FFF2-40B4-BE49-F238E27FC236}">
+                <a16:creationId xmlns:a16="http://schemas.microsoft.com/office/drawing/2014/main" id="{B3B2F9A9-CFF1-4DCB-B546-C0A604FB2E23}"/>
+              </a:ext>
+            </a:extLst>
+          </p:cNvPr>
+          <p:cNvSpPr>
+            <a:spLocks noGrp="1"/>
+          </p:cNvSpPr>
+          <p:nvPr>
+            <p:ph type="title"/>
+          </p:nvPr>
+        </p:nvSpPr>
+        <p:spPr/>
+        <p:txBody>
+          <a:bodyPr/>
+          <a:lstStyle/>
+          <a:p>
+            <a:r>
+              <a:rPr lang="fr-CA" dirty="0"/>
+              <a:t>Les 4 fondamentaux </a:t>
+            </a:r>
+            <a:r>
+              <a:rPr lang="fr-CA" dirty="0" err="1"/>
+              <a:t>Redux</a:t>
+            </a:r>
+            <a:endParaRPr lang="en-US" dirty="0"/>
+          </a:p>
+        </p:txBody>
+      </p:sp>
+      <p:sp>
+        <p:nvSpPr>
+          <p:cNvPr id="3" name="Content Placeholder 2">
+            <a:extLst>
+              <a:ext uri="{FF2B5EF4-FFF2-40B4-BE49-F238E27FC236}">
+                <a16:creationId xmlns:a16="http://schemas.microsoft.com/office/drawing/2014/main" id="{CE2EF5B5-E164-4CCF-9C50-C53DE0F31A24}"/>
+              </a:ext>
+            </a:extLst>
+          </p:cNvPr>
+          <p:cNvSpPr>
+            <a:spLocks noGrp="1"/>
+          </p:cNvSpPr>
+          <p:nvPr>
+            <p:ph idx="1"/>
+          </p:nvPr>
+        </p:nvSpPr>
+        <p:spPr/>
+        <p:txBody>
+          <a:bodyPr/>
+          <a:lstStyle/>
+          <a:p>
+            <a:r>
+              <a:rPr lang="fr-CA" dirty="0"/>
+              <a:t>Store: State global de l’application (gros objet </a:t>
+            </a:r>
+            <a:r>
+              <a:rPr lang="fr-CA" dirty="0" err="1"/>
+              <a:t>json</a:t>
+            </a:r>
+            <a:r>
+              <a:rPr lang="fr-CA" dirty="0"/>
+              <a:t>)</a:t>
+            </a:r>
+          </a:p>
+          <a:p>
+            <a:r>
+              <a:rPr lang="fr-CA" dirty="0"/>
+              <a:t>Actions: Objet indiquant une intention de modifier le Store. Possède au minimum un ‘type’.</a:t>
+            </a:r>
+          </a:p>
+          <a:p>
+            <a:r>
+              <a:rPr lang="fr-CA" dirty="0" err="1"/>
+              <a:t>Reducers</a:t>
+            </a:r>
+            <a:r>
+              <a:rPr lang="fr-CA" dirty="0"/>
+              <a:t>: Réagit à une action, met à jour le store.</a:t>
+            </a:r>
+          </a:p>
+          <a:p>
+            <a:r>
+              <a:rPr lang="fr-CA" dirty="0"/>
+              <a:t>Middleware: Intercepte des actions avant qu’elles atteignent les </a:t>
+            </a:r>
+            <a:r>
+              <a:rPr lang="fr-CA" dirty="0" err="1"/>
+              <a:t>reducers</a:t>
+            </a:r>
+            <a:r>
+              <a:rPr lang="fr-CA" dirty="0"/>
+              <a:t>. Utiliser entre autre pour ‘</a:t>
+            </a:r>
+            <a:r>
+              <a:rPr lang="fr-CA" dirty="0" err="1"/>
+              <a:t>logging</a:t>
+            </a:r>
+            <a:r>
+              <a:rPr lang="fr-CA" dirty="0"/>
+              <a:t>’, ‘</a:t>
+            </a:r>
+            <a:r>
+              <a:rPr lang="fr-CA" dirty="0" err="1"/>
+              <a:t>telemetry</a:t>
+            </a:r>
+            <a:r>
+              <a:rPr lang="fr-CA" dirty="0"/>
+              <a:t>’, ‘</a:t>
+            </a:r>
+            <a:r>
+              <a:rPr lang="fr-CA" dirty="0" err="1"/>
+              <a:t>asynchronous</a:t>
+            </a:r>
+            <a:r>
+              <a:rPr lang="fr-CA" dirty="0"/>
+              <a:t> </a:t>
+            </a:r>
+            <a:r>
+              <a:rPr lang="fr-CA" dirty="0" err="1"/>
+              <a:t>request</a:t>
+            </a:r>
+            <a:r>
+              <a:rPr lang="fr-CA" dirty="0"/>
+              <a:t>’.</a:t>
+            </a:r>
+            <a:endParaRPr lang="en-US" dirty="0"/>
+          </a:p>
+        </p:txBody>
+      </p:sp>
+    </p:spTree>
+    <p:extLst>
+      <p:ext uri="{BB962C8B-B14F-4D97-AF65-F5344CB8AC3E}">
+        <p14:creationId xmlns:p14="http://schemas.microsoft.com/office/powerpoint/2010/main" val="2542009994"/>
+      </p:ext>
+    </p:extLst>
+  </p:cSld>
+  <p:clrMapOvr>
+    <a:masterClrMapping/>
+  </p:clrMapOvr>
+</p:sld>
+</file>
+
+<file path=ppt/slides/slide7.xml><?xml version="1.0" encoding="utf-8"?>
+<p:sld xmlns:a="http://schemas.openxmlformats.org/drawingml/2006/main" xmlns:r="http://schemas.openxmlformats.org/officeDocument/2006/relationships" xmlns:p="http://schemas.openxmlformats.org/presentationml/2006/main">
+  <p:cSld>
+    <p:spTree>
+      <p:nvGrpSpPr>
+        <p:cNvPr id="1" name=""/>
+        <p:cNvGrpSpPr/>
+        <p:nvPr/>
+      </p:nvGrpSpPr>
+      <p:grpSpPr>
+        <a:xfrm>
+          <a:off x="0" y="0"/>
+          <a:ext cx="0" cy="0"/>
+          <a:chOff x="0" y="0"/>
+          <a:chExt cx="0" cy="0"/>
+        </a:xfrm>
+      </p:grpSpPr>
+      <p:sp>
+        <p:nvSpPr>
+          <p:cNvPr id="2" name="Title 1">
+            <a:extLst>
+              <a:ext uri="{FF2B5EF4-FFF2-40B4-BE49-F238E27FC236}">
+                <a16:creationId xmlns:a16="http://schemas.microsoft.com/office/drawing/2014/main" id="{D0A861B1-7998-45DA-9CE0-F692E97C62BE}"/>
+              </a:ext>
+            </a:extLst>
+          </p:cNvPr>
+          <p:cNvSpPr>
+            <a:spLocks noGrp="1"/>
+          </p:cNvSpPr>
+          <p:nvPr>
+            <p:ph type="title"/>
+          </p:nvPr>
+        </p:nvSpPr>
+        <p:spPr/>
+        <p:txBody>
+          <a:bodyPr/>
+          <a:lstStyle/>
+          <a:p>
+            <a:r>
+              <a:rPr lang="en-CA" dirty="0"/>
+              <a:t>Store</a:t>
+            </a:r>
+          </a:p>
+        </p:txBody>
+      </p:sp>
+      <p:sp>
+        <p:nvSpPr>
+          <p:cNvPr id="4" name="Text Placeholder 3">
+            <a:extLst>
+              <a:ext uri="{FF2B5EF4-FFF2-40B4-BE49-F238E27FC236}">
+                <a16:creationId xmlns:a16="http://schemas.microsoft.com/office/drawing/2014/main" id="{0EE19D77-6171-4017-A4C6-A541BB133D82}"/>
+              </a:ext>
+            </a:extLst>
+          </p:cNvPr>
+          <p:cNvSpPr>
+            <a:spLocks noGrp="1"/>
+          </p:cNvSpPr>
+          <p:nvPr>
+            <p:ph type="body" sz="half" idx="2"/>
+          </p:nvPr>
+        </p:nvSpPr>
+        <p:spPr/>
+        <p:txBody>
+          <a:bodyPr>
+            <a:normAutofit/>
+          </a:bodyPr>
+          <a:lstStyle/>
+          <a:p>
+            <a:pPr marL="285750" indent="-285750">
+              <a:buFont typeface="Arial" panose="020B0604020202020204" pitchFamily="34" charset="0"/>
+              <a:buChar char="•"/>
+            </a:pPr>
+            <a:r>
+              <a:rPr lang="en-CA" sz="2400" dirty="0"/>
+              <a:t>Le State </a:t>
+            </a:r>
+            <a:r>
+              <a:rPr lang="en-CA" sz="2400" dirty="0" err="1"/>
+              <a:t>est</a:t>
+            </a:r>
+            <a:r>
+              <a:rPr lang="en-CA" sz="2400" dirty="0"/>
+              <a:t> Immutable</a:t>
+            </a:r>
+          </a:p>
+          <a:p>
+            <a:pPr marL="285750" indent="-285750">
+              <a:buFont typeface="Arial" panose="020B0604020202020204" pitchFamily="34" charset="0"/>
+              <a:buChar char="•"/>
+            </a:pPr>
+            <a:r>
+              <a:rPr lang="en-CA" sz="2400" dirty="0"/>
+              <a:t>Une transition de state </a:t>
+            </a:r>
+            <a:r>
+              <a:rPr lang="en-CA" sz="2400" dirty="0" err="1"/>
+              <a:t>est</a:t>
+            </a:r>
+            <a:r>
+              <a:rPr lang="en-CA" sz="2400" dirty="0"/>
+              <a:t> un Snapshot</a:t>
+            </a:r>
+          </a:p>
+        </p:txBody>
+      </p:sp>
+      <p:pic>
+        <p:nvPicPr>
+          <p:cNvPr id="10" name="Picture Placeholder 9">
+            <a:extLst>
+              <a:ext uri="{FF2B5EF4-FFF2-40B4-BE49-F238E27FC236}">
+                <a16:creationId xmlns:a16="http://schemas.microsoft.com/office/drawing/2014/main" id="{C68E6935-C0A1-44FA-9DAA-2D6B82C97201}"/>
+              </a:ext>
+            </a:extLst>
+          </p:cNvPr>
+          <p:cNvPicPr>
+            <a:picLocks noGrp="1" noChangeAspect="1"/>
+          </p:cNvPicPr>
+          <p:nvPr>
+            <p:ph type="pic" idx="1"/>
+          </p:nvPr>
+        </p:nvPicPr>
+        <p:blipFill>
+          <a:blip r:embed="rId2"/>
+          <a:srcRect t="504" b="504"/>
+          <a:stretch>
+            <a:fillRect/>
+          </a:stretch>
+        </p:blipFill>
+        <p:spPr>
+          <a:xfrm>
+            <a:off x="7380721" y="609602"/>
+            <a:ext cx="2407092" cy="3401592"/>
+          </a:xfrm>
+        </p:spPr>
+      </p:pic>
+    </p:spTree>
+    <p:extLst>
+      <p:ext uri="{BB962C8B-B14F-4D97-AF65-F5344CB8AC3E}">
+        <p14:creationId xmlns:p14="http://schemas.microsoft.com/office/powerpoint/2010/main" val="3185675913"/>
+      </p:ext>
+    </p:extLst>
+  </p:cSld>
+  <p:clrMapOvr>
+    <a:masterClrMapping/>
+  </p:clrMapOvr>
+</p:sld>
+</file>
+
+<file path=ppt/slides/slide8.xml><?xml version="1.0" encoding="utf-8"?>
+<p:sld xmlns:a="http://schemas.openxmlformats.org/drawingml/2006/main" xmlns:r="http://schemas.openxmlformats.org/officeDocument/2006/relationships" xmlns:p="http://schemas.openxmlformats.org/presentationml/2006/main">
+  <p:cSld>
+    <p:spTree>
+      <p:nvGrpSpPr>
+        <p:cNvPr id="1" name=""/>
+        <p:cNvGrpSpPr/>
+        <p:nvPr/>
+      </p:nvGrpSpPr>
+      <p:grpSpPr>
+        <a:xfrm>
+          <a:off x="0" y="0"/>
+          <a:ext cx="0" cy="0"/>
+          <a:chOff x="0" y="0"/>
+          <a:chExt cx="0" cy="0"/>
+        </a:xfrm>
+      </p:grpSpPr>
+      <p:sp>
+        <p:nvSpPr>
+          <p:cNvPr id="2" name="Title 1">
+            <a:extLst>
+              <a:ext uri="{FF2B5EF4-FFF2-40B4-BE49-F238E27FC236}">
+                <a16:creationId xmlns:a16="http://schemas.microsoft.com/office/drawing/2014/main" id="{CA9CBBD3-A4BD-4E15-AF02-2DBF7417F4BA}"/>
+              </a:ext>
+            </a:extLst>
+          </p:cNvPr>
+          <p:cNvSpPr>
+            <a:spLocks noGrp="1"/>
+          </p:cNvSpPr>
+          <p:nvPr>
+            <p:ph type="title"/>
+          </p:nvPr>
+        </p:nvSpPr>
+        <p:spPr/>
+        <p:txBody>
+          <a:bodyPr/>
+          <a:lstStyle/>
+          <a:p>
+            <a:r>
+              <a:rPr lang="en-CA" dirty="0"/>
+              <a:t>Actions</a:t>
+            </a:r>
+          </a:p>
+        </p:txBody>
+      </p:sp>
+      <p:pic>
+        <p:nvPicPr>
+          <p:cNvPr id="13" name="Content Placeholder 12">
+            <a:extLst>
+              <a:ext uri="{FF2B5EF4-FFF2-40B4-BE49-F238E27FC236}">
+                <a16:creationId xmlns:a16="http://schemas.microsoft.com/office/drawing/2014/main" id="{D9054D2E-70E5-47C7-8DB0-51B4B8BF18AC}"/>
+              </a:ext>
+            </a:extLst>
+          </p:cNvPr>
+          <p:cNvPicPr>
+            <a:picLocks noGrp="1" noChangeAspect="1"/>
+          </p:cNvPicPr>
+          <p:nvPr>
+            <p:ph idx="1"/>
+          </p:nvPr>
+        </p:nvPicPr>
+        <p:blipFill>
+          <a:blip r:embed="rId2"/>
+          <a:stretch>
+            <a:fillRect/>
+          </a:stretch>
+        </p:blipFill>
+        <p:spPr>
+          <a:xfrm>
+            <a:off x="4574963" y="3115342"/>
+            <a:ext cx="3038899" cy="1810003"/>
+          </a:xfrm>
+        </p:spPr>
+      </p:pic>
+    </p:spTree>
+    <p:extLst>
+      <p:ext uri="{BB962C8B-B14F-4D97-AF65-F5344CB8AC3E}">
+        <p14:creationId xmlns:p14="http://schemas.microsoft.com/office/powerpoint/2010/main" val="705638382"/>
+      </p:ext>
+    </p:extLst>
+  </p:cSld>
+  <p:clrMapOvr>
+    <a:masterClrMapping/>
+  </p:clrMapOvr>
+</p:sld>
+</file>
+
+<file path=ppt/slides/slide9.xml><?xml version="1.0" encoding="utf-8"?>
+<p:sld xmlns:a="http://schemas.openxmlformats.org/drawingml/2006/main" xmlns:r="http://schemas.openxmlformats.org/officeDocument/2006/relationships" xmlns:p="http://schemas.openxmlformats.org/presentationml/2006/main">
+  <p:cSld>
+    <p:spTree>
+      <p:nvGrpSpPr>
+        <p:cNvPr id="1" name=""/>
+        <p:cNvGrpSpPr/>
+        <p:nvPr/>
+      </p:nvGrpSpPr>
+      <p:grpSpPr>
+        <a:xfrm>
+          <a:off x="0" y="0"/>
+          <a:ext cx="0" cy="0"/>
+          <a:chOff x="0" y="0"/>
+          <a:chExt cx="0" cy="0"/>
+        </a:xfrm>
+      </p:grpSpPr>
+      <p:sp>
+        <p:nvSpPr>
+          <p:cNvPr id="2" name="Title 1">
+            <a:extLst>
+              <a:ext uri="{FF2B5EF4-FFF2-40B4-BE49-F238E27FC236}">
+                <a16:creationId xmlns:a16="http://schemas.microsoft.com/office/drawing/2014/main" id="{5E266D14-A489-4751-867A-060C6D76925A}"/>
+              </a:ext>
+            </a:extLst>
+          </p:cNvPr>
+          <p:cNvSpPr>
+            <a:spLocks noGrp="1"/>
+          </p:cNvSpPr>
+          <p:nvPr>
+            <p:ph type="title"/>
+          </p:nvPr>
+        </p:nvSpPr>
+        <p:spPr/>
+        <p:txBody>
+          <a:bodyPr/>
+          <a:lstStyle/>
+          <a:p>
+            <a:r>
+              <a:rPr lang="en-CA" dirty="0"/>
+              <a:t>Reducers</a:t>
+            </a:r>
+          </a:p>
+        </p:txBody>
+      </p:sp>
+      <p:pic>
+        <p:nvPicPr>
+          <p:cNvPr id="6" name="Content Placeholder 5">
+            <a:extLst>
+              <a:ext uri="{FF2B5EF4-FFF2-40B4-BE49-F238E27FC236}">
+                <a16:creationId xmlns:a16="http://schemas.microsoft.com/office/drawing/2014/main" id="{3E882E36-A170-4AE2-BEA1-73CFD04BB0FF}"/>
+              </a:ext>
+            </a:extLst>
+          </p:cNvPr>
+          <p:cNvPicPr>
+            <a:picLocks noGrp="1" noChangeAspect="1"/>
+          </p:cNvPicPr>
+          <p:nvPr>
+            <p:ph idx="1"/>
+          </p:nvPr>
+        </p:nvPicPr>
+        <p:blipFill>
+          <a:blip r:embed="rId2"/>
+          <a:stretch>
+            <a:fillRect/>
+          </a:stretch>
+        </p:blipFill>
+        <p:spPr>
+          <a:xfrm>
+            <a:off x="5156200" y="678990"/>
+            <a:ext cx="5891213" cy="5025357"/>
+          </a:xfrm>
+        </p:spPr>
+      </p:pic>
+      <p:sp>
+        <p:nvSpPr>
+          <p:cNvPr id="4" name="Text Placeholder 3">
+            <a:extLst>
+              <a:ext uri="{FF2B5EF4-FFF2-40B4-BE49-F238E27FC236}">
+                <a16:creationId xmlns:a16="http://schemas.microsoft.com/office/drawing/2014/main" id="{2392B449-D76B-4FBE-8D57-820B2FC26D70}"/>
+              </a:ext>
+            </a:extLst>
+          </p:cNvPr>
+          <p:cNvSpPr>
+            <a:spLocks noGrp="1"/>
+          </p:cNvSpPr>
+          <p:nvPr>
+            <p:ph type="body" sz="half" idx="2"/>
+          </p:nvPr>
+        </p:nvSpPr>
+        <p:spPr/>
+        <p:txBody>
+          <a:bodyPr>
+            <a:normAutofit/>
+          </a:bodyPr>
+          <a:lstStyle/>
+          <a:p>
+            <a:r>
+              <a:rPr lang="en-CA" sz="2400" dirty="0"/>
+              <a:t>Un reducer </a:t>
+            </a:r>
+            <a:r>
+              <a:rPr lang="en-CA" sz="2400" dirty="0" err="1"/>
+              <a:t>est</a:t>
+            </a:r>
+            <a:r>
+              <a:rPr lang="en-CA" sz="2400" dirty="0"/>
+              <a:t> </a:t>
+            </a:r>
+            <a:r>
+              <a:rPr lang="en-CA" sz="2400" dirty="0" err="1"/>
+              <a:t>une</a:t>
+            </a:r>
+            <a:r>
+              <a:rPr lang="en-CA" sz="2400" dirty="0"/>
+              <a:t> function pure, </a:t>
+            </a:r>
+            <a:r>
+              <a:rPr lang="en-CA" sz="2400" dirty="0" err="1"/>
+              <a:t>c’est</a:t>
+            </a:r>
+            <a:r>
+              <a:rPr lang="en-CA" sz="2400" dirty="0"/>
+              <a:t> à dire sans </a:t>
+            </a:r>
+            <a:r>
+              <a:rPr lang="en-CA" sz="2400" dirty="0" err="1"/>
+              <a:t>aucun</a:t>
+            </a:r>
+            <a:r>
+              <a:rPr lang="en-CA" sz="2400" dirty="0"/>
+              <a:t> </a:t>
+            </a:r>
+            <a:r>
+              <a:rPr lang="en-CA" sz="2400" dirty="0" err="1"/>
+              <a:t>effet</a:t>
+            </a:r>
+            <a:r>
+              <a:rPr lang="en-CA" sz="2400" dirty="0"/>
+              <a:t> </a:t>
+            </a:r>
+            <a:r>
+              <a:rPr lang="en-CA" sz="2400" dirty="0" err="1"/>
+              <a:t>bord</a:t>
+            </a:r>
+            <a:r>
+              <a:rPr lang="en-CA" sz="2400" dirty="0"/>
+              <a:t> (ex. Call </a:t>
+            </a:r>
+            <a:r>
+              <a:rPr lang="en-CA" sz="2400" dirty="0" err="1"/>
+              <a:t>asynchrone</a:t>
+            </a:r>
+            <a:r>
+              <a:rPr lang="en-CA" sz="2400" dirty="0"/>
+              <a:t>)</a:t>
+            </a:r>
+          </a:p>
+        </p:txBody>
+      </p:sp>
+    </p:spTree>
+    <p:extLst>
+      <p:ext uri="{BB962C8B-B14F-4D97-AF65-F5344CB8AC3E}">
+        <p14:creationId xmlns:p14="http://schemas.microsoft.com/office/powerpoint/2010/main" val="1183164818"/>
       </p:ext>
     </p:extLst>
   </p:cSld>
